--- a/Reports/Graphics/State Diagrams.pptx
+++ b/Reports/Graphics/State Diagrams.pptx
@@ -8,6 +8,9 @@
     <p:sldId id="256" r:id="rId2"/>
     <p:sldId id="257" r:id="rId3"/>
     <p:sldId id="258" r:id="rId4"/>
+    <p:sldId id="259" r:id="rId5"/>
+    <p:sldId id="260" r:id="rId6"/>
+    <p:sldId id="261" r:id="rId7"/>
   </p:sldIdLst>
   <p:sldSz cx="9144000" cy="6858000" type="screen4x3"/>
   <p:notesSz cx="6858000" cy="9144000"/>
@@ -291,7 +294,7 @@
             <a:fld id="{1D8BD707-D9CF-40AE-B4C6-C98DA3205C09}" type="datetimeFigureOut">
               <a:rPr lang="en-US" smtClean="0"/>
               <a:pPr/>
-              <a:t>5/16/2015</a:t>
+              <a:t>8/18/2015</a:t>
             </a:fld>
             <a:endParaRPr lang="en-US"/>
           </a:p>
@@ -458,7 +461,7 @@
             <a:fld id="{1D8BD707-D9CF-40AE-B4C6-C98DA3205C09}" type="datetimeFigureOut">
               <a:rPr lang="en-US" smtClean="0"/>
               <a:pPr/>
-              <a:t>5/16/2015</a:t>
+              <a:t>8/18/2015</a:t>
             </a:fld>
             <a:endParaRPr lang="en-US"/>
           </a:p>
@@ -635,7 +638,7 @@
             <a:fld id="{1D8BD707-D9CF-40AE-B4C6-C98DA3205C09}" type="datetimeFigureOut">
               <a:rPr lang="en-US" smtClean="0"/>
               <a:pPr/>
-              <a:t>5/16/2015</a:t>
+              <a:t>8/18/2015</a:t>
             </a:fld>
             <a:endParaRPr lang="en-US"/>
           </a:p>
@@ -802,7 +805,7 @@
             <a:fld id="{1D8BD707-D9CF-40AE-B4C6-C98DA3205C09}" type="datetimeFigureOut">
               <a:rPr lang="en-US" smtClean="0"/>
               <a:pPr/>
-              <a:t>5/16/2015</a:t>
+              <a:t>8/18/2015</a:t>
             </a:fld>
             <a:endParaRPr lang="en-US"/>
           </a:p>
@@ -1045,7 +1048,7 @@
             <a:fld id="{1D8BD707-D9CF-40AE-B4C6-C98DA3205C09}" type="datetimeFigureOut">
               <a:rPr lang="en-US" smtClean="0"/>
               <a:pPr/>
-              <a:t>5/16/2015</a:t>
+              <a:t>8/18/2015</a:t>
             </a:fld>
             <a:endParaRPr lang="en-US"/>
           </a:p>
@@ -1330,7 +1333,7 @@
             <a:fld id="{1D8BD707-D9CF-40AE-B4C6-C98DA3205C09}" type="datetimeFigureOut">
               <a:rPr lang="en-US" smtClean="0"/>
               <a:pPr/>
-              <a:t>5/16/2015</a:t>
+              <a:t>8/18/2015</a:t>
             </a:fld>
             <a:endParaRPr lang="en-US"/>
           </a:p>
@@ -1749,7 +1752,7 @@
             <a:fld id="{1D8BD707-D9CF-40AE-B4C6-C98DA3205C09}" type="datetimeFigureOut">
               <a:rPr lang="en-US" smtClean="0"/>
               <a:pPr/>
-              <a:t>5/16/2015</a:t>
+              <a:t>8/18/2015</a:t>
             </a:fld>
             <a:endParaRPr lang="en-US"/>
           </a:p>
@@ -1864,7 +1867,7 @@
             <a:fld id="{1D8BD707-D9CF-40AE-B4C6-C98DA3205C09}" type="datetimeFigureOut">
               <a:rPr lang="en-US" smtClean="0"/>
               <a:pPr/>
-              <a:t>5/16/2015</a:t>
+              <a:t>8/18/2015</a:t>
             </a:fld>
             <a:endParaRPr lang="en-US"/>
           </a:p>
@@ -1956,7 +1959,7 @@
             <a:fld id="{1D8BD707-D9CF-40AE-B4C6-C98DA3205C09}" type="datetimeFigureOut">
               <a:rPr lang="en-US" smtClean="0"/>
               <a:pPr/>
-              <a:t>5/16/2015</a:t>
+              <a:t>8/18/2015</a:t>
             </a:fld>
             <a:endParaRPr lang="en-US"/>
           </a:p>
@@ -2230,7 +2233,7 @@
             <a:fld id="{1D8BD707-D9CF-40AE-B4C6-C98DA3205C09}" type="datetimeFigureOut">
               <a:rPr lang="en-US" smtClean="0"/>
               <a:pPr/>
-              <a:t>5/16/2015</a:t>
+              <a:t>8/18/2015</a:t>
             </a:fld>
             <a:endParaRPr lang="en-US"/>
           </a:p>
@@ -2480,7 +2483,7 @@
             <a:fld id="{1D8BD707-D9CF-40AE-B4C6-C98DA3205C09}" type="datetimeFigureOut">
               <a:rPr lang="en-US" smtClean="0"/>
               <a:pPr/>
-              <a:t>5/16/2015</a:t>
+              <a:t>8/18/2015</a:t>
             </a:fld>
             <a:endParaRPr lang="en-US"/>
           </a:p>
@@ -2690,7 +2693,7 @@
             <a:fld id="{1D8BD707-D9CF-40AE-B4C6-C98DA3205C09}" type="datetimeFigureOut">
               <a:rPr lang="en-US" smtClean="0"/>
               <a:pPr/>
-              <a:t>5/16/2015</a:t>
+              <a:t>8/18/2015</a:t>
             </a:fld>
             <a:endParaRPr lang="en-US"/>
           </a:p>
@@ -4475,11 +4478,6 @@
                 </a:rPr>
                 <a:t>Remove Lightest and Collect</a:t>
               </a:r>
-              <a:endParaRPr lang="en-NZ" sz="2000" dirty="0">
-                <a:solidFill>
-                  <a:sysClr val="windowText" lastClr="000000"/>
-                </a:solidFill>
-              </a:endParaRPr>
             </a:p>
           </p:txBody>
         </p:sp>
@@ -4895,6 +4893,5195 @@
     <p:extLst>
       <p:ext uri="{BB962C8B-B14F-4D97-AF65-F5344CB8AC3E}">
         <p14:creationId xmlns:p14="http://schemas.microsoft.com/office/powerpoint/2010/main" val="3955251804"/>
+      </p:ext>
+    </p:extLst>
+  </p:cSld>
+  <p:clrMapOvr>
+    <a:masterClrMapping/>
+  </p:clrMapOvr>
+</p:sld>
+</file>
+
+<file path=ppt/slides/slide4.xml><?xml version="1.0" encoding="utf-8"?>
+<p:sld xmlns:a="http://schemas.openxmlformats.org/drawingml/2006/main" xmlns:r="http://schemas.openxmlformats.org/officeDocument/2006/relationships" xmlns:p="http://schemas.openxmlformats.org/presentationml/2006/main">
+  <p:cSld>
+    <p:spTree>
+      <p:nvGrpSpPr>
+        <p:cNvPr id="1" name=""/>
+        <p:cNvGrpSpPr/>
+        <p:nvPr/>
+      </p:nvGrpSpPr>
+      <p:grpSpPr>
+        <a:xfrm>
+          <a:off x="0" y="0"/>
+          <a:ext cx="0" cy="0"/>
+          <a:chOff x="0" y="0"/>
+          <a:chExt cx="0" cy="0"/>
+        </a:xfrm>
+      </p:grpSpPr>
+      <p:grpSp>
+        <p:nvGrpSpPr>
+          <p:cNvPr id="155" name="Group 154"/>
+          <p:cNvGrpSpPr/>
+          <p:nvPr/>
+        </p:nvGrpSpPr>
+        <p:grpSpPr>
+          <a:xfrm>
+            <a:off x="-152401" y="-1009080"/>
+            <a:ext cx="10632604" cy="7749806"/>
+            <a:chOff x="-152401" y="-1009080"/>
+            <a:chExt cx="10632604" cy="7749806"/>
+          </a:xfrm>
+        </p:grpSpPr>
+        <p:sp>
+          <p:nvSpPr>
+            <p:cNvPr id="5" name="Flowchart: Decision 4"/>
+            <p:cNvSpPr/>
+            <p:nvPr/>
+          </p:nvSpPr>
+          <p:spPr>
+            <a:xfrm>
+              <a:off x="4398890" y="3021367"/>
+              <a:ext cx="1905000" cy="792479"/>
+            </a:xfrm>
+            <a:prstGeom prst="flowChartDecision">
+              <a:avLst/>
+            </a:prstGeom>
+            <a:solidFill>
+              <a:schemeClr val="bg1">
+                <a:lumMod val="95000"/>
+              </a:schemeClr>
+            </a:solidFill>
+            <a:ln>
+              <a:solidFill>
+                <a:schemeClr val="tx1"/>
+              </a:solidFill>
+            </a:ln>
+          </p:spPr>
+          <p:style>
+            <a:lnRef idx="2">
+              <a:schemeClr val="accent1">
+                <a:shade val="50000"/>
+              </a:schemeClr>
+            </a:lnRef>
+            <a:fillRef idx="1">
+              <a:schemeClr val="accent1"/>
+            </a:fillRef>
+            <a:effectRef idx="0">
+              <a:schemeClr val="accent1"/>
+            </a:effectRef>
+            <a:fontRef idx="minor">
+              <a:schemeClr val="lt1"/>
+            </a:fontRef>
+          </p:style>
+          <p:txBody>
+            <a:bodyPr rtlCol="0" anchor="ctr"/>
+            <a:lstStyle/>
+            <a:p>
+              <a:pPr algn="ctr"/>
+              <a:endParaRPr lang="en-NZ" dirty="0"/>
+            </a:p>
+          </p:txBody>
+        </p:sp>
+        <p:sp>
+          <p:nvSpPr>
+            <p:cNvPr id="6" name="Flowchart: Process 5"/>
+            <p:cNvSpPr/>
+            <p:nvPr/>
+          </p:nvSpPr>
+          <p:spPr>
+            <a:xfrm>
+              <a:off x="328827" y="1789646"/>
+              <a:ext cx="1905000" cy="792479"/>
+            </a:xfrm>
+            <a:prstGeom prst="flowChartProcess">
+              <a:avLst/>
+            </a:prstGeom>
+            <a:solidFill>
+              <a:schemeClr val="bg1">
+                <a:lumMod val="95000"/>
+              </a:schemeClr>
+            </a:solidFill>
+            <a:ln>
+              <a:solidFill>
+                <a:schemeClr val="tx1"/>
+              </a:solidFill>
+            </a:ln>
+          </p:spPr>
+          <p:style>
+            <a:lnRef idx="2">
+              <a:schemeClr val="accent1">
+                <a:shade val="50000"/>
+              </a:schemeClr>
+            </a:lnRef>
+            <a:fillRef idx="1">
+              <a:schemeClr val="accent1"/>
+            </a:fillRef>
+            <a:effectRef idx="0">
+              <a:schemeClr val="accent1"/>
+            </a:effectRef>
+            <a:fontRef idx="minor">
+              <a:schemeClr val="lt1"/>
+            </a:fontRef>
+          </p:style>
+          <p:txBody>
+            <a:bodyPr rtlCol="0" anchor="ctr"/>
+            <a:lstStyle/>
+            <a:p>
+              <a:pPr algn="ctr"/>
+              <a:r>
+                <a:rPr lang="en-NZ" sz="2000" dirty="0" smtClean="0">
+                  <a:solidFill>
+                    <a:sysClr val="windowText" lastClr="000000"/>
+                  </a:solidFill>
+                </a:rPr>
+                <a:t>Choose Point on Map</a:t>
+              </a:r>
+              <a:endParaRPr lang="en-NZ" sz="2000" dirty="0">
+                <a:solidFill>
+                  <a:sysClr val="windowText" lastClr="000000"/>
+                </a:solidFill>
+              </a:endParaRPr>
+            </a:p>
+          </p:txBody>
+        </p:sp>
+        <p:sp>
+          <p:nvSpPr>
+            <p:cNvPr id="7" name="Flowchart: Process 6"/>
+            <p:cNvSpPr/>
+            <p:nvPr/>
+          </p:nvSpPr>
+          <p:spPr>
+            <a:xfrm>
+              <a:off x="4398890" y="1939933"/>
+              <a:ext cx="1905000" cy="792479"/>
+            </a:xfrm>
+            <a:prstGeom prst="flowChartProcess">
+              <a:avLst/>
+            </a:prstGeom>
+            <a:solidFill>
+              <a:schemeClr val="bg1">
+                <a:lumMod val="95000"/>
+              </a:schemeClr>
+            </a:solidFill>
+            <a:ln>
+              <a:solidFill>
+                <a:schemeClr val="tx1"/>
+              </a:solidFill>
+            </a:ln>
+          </p:spPr>
+          <p:style>
+            <a:lnRef idx="2">
+              <a:schemeClr val="accent1">
+                <a:shade val="50000"/>
+              </a:schemeClr>
+            </a:lnRef>
+            <a:fillRef idx="1">
+              <a:schemeClr val="accent1"/>
+            </a:fillRef>
+            <a:effectRef idx="0">
+              <a:schemeClr val="accent1"/>
+            </a:effectRef>
+            <a:fontRef idx="minor">
+              <a:schemeClr val="lt1"/>
+            </a:fontRef>
+          </p:style>
+          <p:txBody>
+            <a:bodyPr rtlCol="0" anchor="ctr"/>
+            <a:lstStyle/>
+            <a:p>
+              <a:pPr algn="ctr"/>
+              <a:r>
+                <a:rPr lang="en-NZ" sz="2000" dirty="0" smtClean="0">
+                  <a:solidFill>
+                    <a:sysClr val="windowText" lastClr="000000"/>
+                  </a:solidFill>
+                </a:rPr>
+                <a:t>Choose Local Point</a:t>
+              </a:r>
+              <a:endParaRPr lang="en-NZ" sz="2000" dirty="0">
+                <a:solidFill>
+                  <a:sysClr val="windowText" lastClr="000000"/>
+                </a:solidFill>
+              </a:endParaRPr>
+            </a:p>
+          </p:txBody>
+        </p:sp>
+        <p:sp>
+          <p:nvSpPr>
+            <p:cNvPr id="9" name="TextBox 8"/>
+            <p:cNvSpPr txBox="1"/>
+            <p:nvPr/>
+          </p:nvSpPr>
+          <p:spPr>
+            <a:xfrm>
+              <a:off x="6192293" y="4923925"/>
+              <a:ext cx="1129419" cy="646331"/>
+            </a:xfrm>
+            <a:prstGeom prst="rect">
+              <a:avLst/>
+            </a:prstGeom>
+            <a:noFill/>
+          </p:spPr>
+          <p:txBody>
+            <a:bodyPr wrap="square" rtlCol="0">
+              <a:spAutoFit/>
+            </a:bodyPr>
+            <a:lstStyle/>
+            <a:p>
+              <a:r>
+                <a:rPr lang="en-NZ" dirty="0" smtClean="0"/>
+                <a:t>Collected</a:t>
+              </a:r>
+            </a:p>
+            <a:p>
+              <a:r>
+                <a:rPr lang="en-NZ" dirty="0" smtClean="0"/>
+                <a:t>&amp; =</a:t>
+              </a:r>
+              <a:r>
+                <a:rPr lang="en-NZ" dirty="0" smtClean="0"/>
+                <a:t>3</a:t>
+              </a:r>
+              <a:endParaRPr lang="en-NZ" dirty="0"/>
+            </a:p>
+          </p:txBody>
+        </p:sp>
+        <p:sp>
+          <p:nvSpPr>
+            <p:cNvPr id="10" name="TextBox 9"/>
+            <p:cNvSpPr txBox="1"/>
+            <p:nvPr/>
+          </p:nvSpPr>
+          <p:spPr>
+            <a:xfrm>
+              <a:off x="607781" y="5074038"/>
+              <a:ext cx="1263872" cy="369332"/>
+            </a:xfrm>
+            <a:prstGeom prst="rect">
+              <a:avLst/>
+            </a:prstGeom>
+            <a:noFill/>
+          </p:spPr>
+          <p:txBody>
+            <a:bodyPr wrap="none" rtlCol="0">
+              <a:spAutoFit/>
+            </a:bodyPr>
+            <a:lstStyle/>
+            <a:p>
+              <a:r>
+                <a:rPr lang="en-NZ" dirty="0" smtClean="0"/>
+                <a:t>No Package</a:t>
+              </a:r>
+              <a:endParaRPr lang="en-NZ" dirty="0"/>
+            </a:p>
+          </p:txBody>
+        </p:sp>
+        <p:sp>
+          <p:nvSpPr>
+            <p:cNvPr id="11" name="Down Arrow 10"/>
+            <p:cNvSpPr/>
+            <p:nvPr/>
+          </p:nvSpPr>
+          <p:spPr>
+            <a:xfrm>
+              <a:off x="1039012" y="-639748"/>
+              <a:ext cx="484632" cy="978408"/>
+            </a:xfrm>
+            <a:prstGeom prst="downArrow">
+              <a:avLst/>
+            </a:prstGeom>
+            <a:solidFill>
+              <a:schemeClr val="bg1">
+                <a:lumMod val="95000"/>
+              </a:schemeClr>
+            </a:solidFill>
+            <a:ln>
+              <a:solidFill>
+                <a:schemeClr val="tx1"/>
+              </a:solidFill>
+            </a:ln>
+          </p:spPr>
+          <p:style>
+            <a:lnRef idx="2">
+              <a:schemeClr val="accent1">
+                <a:shade val="50000"/>
+              </a:schemeClr>
+            </a:lnRef>
+            <a:fillRef idx="1">
+              <a:schemeClr val="accent1"/>
+            </a:fillRef>
+            <a:effectRef idx="0">
+              <a:schemeClr val="accent1"/>
+            </a:effectRef>
+            <a:fontRef idx="minor">
+              <a:schemeClr val="lt1"/>
+            </a:fontRef>
+          </p:style>
+          <p:txBody>
+            <a:bodyPr rtlCol="0" anchor="ctr"/>
+            <a:lstStyle/>
+            <a:p>
+              <a:pPr algn="ctr"/>
+              <a:endParaRPr lang="en-NZ"/>
+            </a:p>
+          </p:txBody>
+        </p:sp>
+        <p:sp>
+          <p:nvSpPr>
+            <p:cNvPr id="12" name="TextBox 11"/>
+            <p:cNvSpPr txBox="1"/>
+            <p:nvPr/>
+          </p:nvSpPr>
+          <p:spPr>
+            <a:xfrm>
+              <a:off x="965183" y="-1009080"/>
+              <a:ext cx="632289" cy="369332"/>
+            </a:xfrm>
+            <a:prstGeom prst="rect">
+              <a:avLst/>
+            </a:prstGeom>
+            <a:noFill/>
+          </p:spPr>
+          <p:txBody>
+            <a:bodyPr wrap="none" rtlCol="0">
+              <a:spAutoFit/>
+            </a:bodyPr>
+            <a:lstStyle/>
+            <a:p>
+              <a:pPr algn="ctr"/>
+              <a:r>
+                <a:rPr lang="en-NZ" dirty="0" smtClean="0"/>
+                <a:t>Start</a:t>
+              </a:r>
+              <a:endParaRPr lang="en-NZ" dirty="0"/>
+            </a:p>
+          </p:txBody>
+        </p:sp>
+        <p:cxnSp>
+          <p:nvCxnSpPr>
+            <p:cNvPr id="13" name="Elbow Connector 12"/>
+            <p:cNvCxnSpPr>
+              <a:stCxn id="34" idx="2"/>
+              <a:endCxn id="6" idx="1"/>
+            </p:cNvCxnSpPr>
+            <p:nvPr/>
+          </p:nvCxnSpPr>
+          <p:spPr>
+            <a:xfrm rot="5400000" flipH="1">
+              <a:off x="-513467" y="3028181"/>
+              <a:ext cx="2637088" cy="952499"/>
+            </a:xfrm>
+            <a:prstGeom prst="bentConnector4">
+              <a:avLst>
+                <a:gd name="adj1" fmla="val -8669"/>
+                <a:gd name="adj2" fmla="val 124000"/>
+              </a:avLst>
+            </a:prstGeom>
+            <a:ln w="19050">
+              <a:solidFill>
+                <a:schemeClr val="tx1"/>
+              </a:solidFill>
+              <a:tailEnd type="arrow"/>
+            </a:ln>
+          </p:spPr>
+          <p:style>
+            <a:lnRef idx="1">
+              <a:schemeClr val="accent1"/>
+            </a:lnRef>
+            <a:fillRef idx="0">
+              <a:schemeClr val="accent1"/>
+            </a:fillRef>
+            <a:effectRef idx="0">
+              <a:schemeClr val="accent1"/>
+            </a:effectRef>
+            <a:fontRef idx="minor">
+              <a:schemeClr val="tx1"/>
+            </a:fontRef>
+          </p:style>
+        </p:cxnSp>
+        <p:sp>
+          <p:nvSpPr>
+            <p:cNvPr id="14" name="TextBox 13"/>
+            <p:cNvSpPr txBox="1"/>
+            <p:nvPr/>
+          </p:nvSpPr>
+          <p:spPr>
+            <a:xfrm>
+              <a:off x="4651391" y="3215914"/>
+              <a:ext cx="1400000" cy="369332"/>
+            </a:xfrm>
+            <a:prstGeom prst="rect">
+              <a:avLst/>
+            </a:prstGeom>
+            <a:noFill/>
+          </p:spPr>
+          <p:txBody>
+            <a:bodyPr wrap="none" rtlCol="0">
+              <a:spAutoFit/>
+            </a:bodyPr>
+            <a:lstStyle/>
+            <a:p>
+              <a:pPr algn="ctr"/>
+              <a:r>
+                <a:rPr lang="en-NZ" dirty="0" smtClean="0"/>
+                <a:t>Follow point </a:t>
+              </a:r>
+              <a:endParaRPr lang="en-NZ" dirty="0"/>
+            </a:p>
+          </p:txBody>
+        </p:sp>
+        <p:cxnSp>
+          <p:nvCxnSpPr>
+            <p:cNvPr id="15" name="Elbow Connector 14"/>
+            <p:cNvCxnSpPr>
+              <a:stCxn id="34" idx="3"/>
+              <a:endCxn id="7" idx="0"/>
+            </p:cNvCxnSpPr>
+            <p:nvPr/>
+          </p:nvCxnSpPr>
+          <p:spPr>
+            <a:xfrm flipV="1">
+              <a:off x="2233826" y="1939933"/>
+              <a:ext cx="3117564" cy="2486802"/>
+            </a:xfrm>
+            <a:prstGeom prst="bentConnector4">
+              <a:avLst>
+                <a:gd name="adj1" fmla="val 11259"/>
+                <a:gd name="adj2" fmla="val 109193"/>
+              </a:avLst>
+            </a:prstGeom>
+            <a:ln w="19050">
+              <a:solidFill>
+                <a:schemeClr val="tx1"/>
+              </a:solidFill>
+              <a:tailEnd type="arrow"/>
+            </a:ln>
+          </p:spPr>
+          <p:style>
+            <a:lnRef idx="1">
+              <a:schemeClr val="accent1"/>
+            </a:lnRef>
+            <a:fillRef idx="0">
+              <a:schemeClr val="accent1"/>
+            </a:fillRef>
+            <a:effectRef idx="0">
+              <a:schemeClr val="accent1"/>
+            </a:effectRef>
+            <a:fontRef idx="minor">
+              <a:schemeClr val="tx1"/>
+            </a:fontRef>
+          </p:style>
+        </p:cxnSp>
+        <p:cxnSp>
+          <p:nvCxnSpPr>
+            <p:cNvPr id="16" name="Elbow Connector 15"/>
+            <p:cNvCxnSpPr>
+              <a:stCxn id="85" idx="1"/>
+              <a:endCxn id="34" idx="0"/>
+            </p:cNvCxnSpPr>
+            <p:nvPr/>
+          </p:nvCxnSpPr>
+          <p:spPr>
+            <a:xfrm rot="10800000">
+              <a:off x="1281326" y="4030496"/>
+              <a:ext cx="3117564" cy="1539761"/>
+            </a:xfrm>
+            <a:prstGeom prst="bentConnector4">
+              <a:avLst>
+                <a:gd name="adj1" fmla="val 6860"/>
+                <a:gd name="adj2" fmla="val 114846"/>
+              </a:avLst>
+            </a:prstGeom>
+            <a:ln w="19050">
+              <a:solidFill>
+                <a:schemeClr val="tx1"/>
+              </a:solidFill>
+              <a:tailEnd type="arrow"/>
+            </a:ln>
+          </p:spPr>
+          <p:style>
+            <a:lnRef idx="1">
+              <a:schemeClr val="accent1"/>
+            </a:lnRef>
+            <a:fillRef idx="0">
+              <a:schemeClr val="accent1"/>
+            </a:fillRef>
+            <a:effectRef idx="0">
+              <a:schemeClr val="accent1"/>
+            </a:effectRef>
+            <a:fontRef idx="minor">
+              <a:schemeClr val="tx1"/>
+            </a:fontRef>
+          </p:style>
+        </p:cxnSp>
+        <p:cxnSp>
+          <p:nvCxnSpPr>
+            <p:cNvPr id="17" name="Straight Arrow Connector 16"/>
+            <p:cNvCxnSpPr>
+              <a:stCxn id="5" idx="2"/>
+              <a:endCxn id="83" idx="0"/>
+            </p:cNvCxnSpPr>
+            <p:nvPr/>
+          </p:nvCxnSpPr>
+          <p:spPr>
+            <a:xfrm>
+              <a:off x="5351390" y="3813846"/>
+              <a:ext cx="1" cy="304800"/>
+            </a:xfrm>
+            <a:prstGeom prst="straightConnector1">
+              <a:avLst/>
+            </a:prstGeom>
+            <a:ln w="19050">
+              <a:solidFill>
+                <a:schemeClr val="tx1"/>
+              </a:solidFill>
+              <a:tailEnd type="arrow"/>
+            </a:ln>
+          </p:spPr>
+          <p:style>
+            <a:lnRef idx="1">
+              <a:schemeClr val="accent1"/>
+            </a:lnRef>
+            <a:fillRef idx="0">
+              <a:schemeClr val="accent1"/>
+            </a:fillRef>
+            <a:effectRef idx="0">
+              <a:schemeClr val="accent1"/>
+            </a:effectRef>
+            <a:fontRef idx="minor">
+              <a:schemeClr val="tx1"/>
+            </a:fontRef>
+          </p:style>
+        </p:cxnSp>
+        <p:sp>
+          <p:nvSpPr>
+            <p:cNvPr id="18" name="TextBox 17"/>
+            <p:cNvSpPr txBox="1"/>
+            <p:nvPr/>
+          </p:nvSpPr>
+          <p:spPr>
+            <a:xfrm>
+              <a:off x="5411992" y="3743746"/>
+              <a:ext cx="688009" cy="369332"/>
+            </a:xfrm>
+            <a:prstGeom prst="rect">
+              <a:avLst/>
+            </a:prstGeom>
+            <a:noFill/>
+          </p:spPr>
+          <p:txBody>
+            <a:bodyPr wrap="none" rtlCol="0">
+              <a:spAutoFit/>
+            </a:bodyPr>
+            <a:lstStyle/>
+            <a:p>
+              <a:r>
+                <a:rPr lang="en-NZ" dirty="0" smtClean="0"/>
+                <a:t>Close</a:t>
+              </a:r>
+              <a:endParaRPr lang="en-NZ" dirty="0"/>
+            </a:p>
+          </p:txBody>
+        </p:sp>
+        <p:sp>
+          <p:nvSpPr>
+            <p:cNvPr id="19" name="Flowchart: Process 18"/>
+            <p:cNvSpPr/>
+            <p:nvPr/>
+          </p:nvSpPr>
+          <p:spPr>
+            <a:xfrm>
+              <a:off x="328828" y="369639"/>
+              <a:ext cx="1905000" cy="792479"/>
+            </a:xfrm>
+            <a:prstGeom prst="flowChartProcess">
+              <a:avLst/>
+            </a:prstGeom>
+            <a:solidFill>
+              <a:schemeClr val="bg1">
+                <a:lumMod val="95000"/>
+              </a:schemeClr>
+            </a:solidFill>
+            <a:ln>
+              <a:solidFill>
+                <a:schemeClr val="tx1"/>
+              </a:solidFill>
+            </a:ln>
+          </p:spPr>
+          <p:style>
+            <a:lnRef idx="2">
+              <a:schemeClr val="accent1">
+                <a:shade val="50000"/>
+              </a:schemeClr>
+            </a:lnRef>
+            <a:fillRef idx="1">
+              <a:schemeClr val="accent1"/>
+            </a:fillRef>
+            <a:effectRef idx="0">
+              <a:schemeClr val="accent1"/>
+            </a:effectRef>
+            <a:fontRef idx="minor">
+              <a:schemeClr val="lt1"/>
+            </a:fontRef>
+          </p:style>
+          <p:txBody>
+            <a:bodyPr rtlCol="0" anchor="ctr"/>
+            <a:lstStyle/>
+            <a:p>
+              <a:pPr algn="ctr"/>
+              <a:r>
+                <a:rPr lang="en-NZ" sz="2000" dirty="0" smtClean="0">
+                  <a:solidFill>
+                    <a:sysClr val="windowText" lastClr="000000"/>
+                  </a:solidFill>
+                </a:rPr>
+                <a:t>Initialize</a:t>
+              </a:r>
+              <a:endParaRPr lang="en-NZ" sz="2000" dirty="0">
+                <a:solidFill>
+                  <a:sysClr val="windowText" lastClr="000000"/>
+                </a:solidFill>
+              </a:endParaRPr>
+            </a:p>
+          </p:txBody>
+        </p:sp>
+        <p:sp>
+          <p:nvSpPr>
+            <p:cNvPr id="26" name="Rectangle 25"/>
+            <p:cNvSpPr/>
+            <p:nvPr/>
+          </p:nvSpPr>
+          <p:spPr>
+            <a:xfrm>
+              <a:off x="-152401" y="1378449"/>
+              <a:ext cx="3282749" cy="4101749"/>
+            </a:xfrm>
+            <a:prstGeom prst="rect">
+              <a:avLst/>
+            </a:prstGeom>
+            <a:noFill/>
+            <a:ln>
+              <a:solidFill>
+                <a:schemeClr val="tx1"/>
+              </a:solidFill>
+              <a:prstDash val="dash"/>
+            </a:ln>
+          </p:spPr>
+          <p:style>
+            <a:lnRef idx="2">
+              <a:schemeClr val="accent1">
+                <a:shade val="50000"/>
+              </a:schemeClr>
+            </a:lnRef>
+            <a:fillRef idx="1">
+              <a:schemeClr val="accent1"/>
+            </a:fillRef>
+            <a:effectRef idx="0">
+              <a:schemeClr val="accent1"/>
+            </a:effectRef>
+            <a:fontRef idx="minor">
+              <a:schemeClr val="lt1"/>
+            </a:fontRef>
+          </p:style>
+          <p:txBody>
+            <a:bodyPr vert="horz" rtlCol="0" anchor="t"/>
+            <a:lstStyle/>
+            <a:p>
+              <a:r>
+                <a:rPr lang="en-NZ" dirty="0" smtClean="0">
+                  <a:solidFill>
+                    <a:sysClr val="windowText" lastClr="000000"/>
+                  </a:solidFill>
+                </a:rPr>
+                <a:t>SEARCHING</a:t>
+              </a:r>
+              <a:endParaRPr lang="en-NZ" dirty="0">
+                <a:solidFill>
+                  <a:sysClr val="windowText" lastClr="000000"/>
+                </a:solidFill>
+              </a:endParaRPr>
+            </a:p>
+          </p:txBody>
+        </p:sp>
+        <p:sp>
+          <p:nvSpPr>
+            <p:cNvPr id="27" name="Flowchart: Process 26"/>
+            <p:cNvSpPr/>
+            <p:nvPr/>
+          </p:nvSpPr>
+          <p:spPr>
+            <a:xfrm>
+              <a:off x="328827" y="2904336"/>
+              <a:ext cx="1905000" cy="792479"/>
+            </a:xfrm>
+            <a:prstGeom prst="flowChartProcess">
+              <a:avLst/>
+            </a:prstGeom>
+            <a:solidFill>
+              <a:schemeClr val="bg1">
+                <a:lumMod val="95000"/>
+              </a:schemeClr>
+            </a:solidFill>
+            <a:ln>
+              <a:solidFill>
+                <a:schemeClr val="tx1"/>
+              </a:solidFill>
+            </a:ln>
+          </p:spPr>
+          <p:style>
+            <a:lnRef idx="2">
+              <a:schemeClr val="accent1">
+                <a:shade val="50000"/>
+              </a:schemeClr>
+            </a:lnRef>
+            <a:fillRef idx="1">
+              <a:schemeClr val="accent1"/>
+            </a:fillRef>
+            <a:effectRef idx="0">
+              <a:schemeClr val="accent1"/>
+            </a:effectRef>
+            <a:fontRef idx="minor">
+              <a:schemeClr val="lt1"/>
+            </a:fontRef>
+          </p:style>
+          <p:txBody>
+            <a:bodyPr rtlCol="0" anchor="ctr"/>
+            <a:lstStyle/>
+            <a:p>
+              <a:pPr algn="ctr"/>
+              <a:r>
+                <a:rPr lang="en-NZ" sz="2000" dirty="0" smtClean="0">
+                  <a:solidFill>
+                    <a:sysClr val="windowText" lastClr="000000"/>
+                  </a:solidFill>
+                </a:rPr>
+                <a:t>D* to Create Point Path</a:t>
+              </a:r>
+              <a:endParaRPr lang="en-NZ" sz="2000" dirty="0">
+                <a:solidFill>
+                  <a:sysClr val="windowText" lastClr="000000"/>
+                </a:solidFill>
+              </a:endParaRPr>
+            </a:p>
+          </p:txBody>
+        </p:sp>
+        <p:cxnSp>
+          <p:nvCxnSpPr>
+            <p:cNvPr id="33" name="Straight Arrow Connector 32"/>
+            <p:cNvCxnSpPr>
+              <a:stCxn id="6" idx="2"/>
+              <a:endCxn id="27" idx="0"/>
+            </p:cNvCxnSpPr>
+            <p:nvPr/>
+          </p:nvCxnSpPr>
+          <p:spPr>
+            <a:xfrm>
+              <a:off x="1281327" y="2582125"/>
+              <a:ext cx="0" cy="322211"/>
+            </a:xfrm>
+            <a:prstGeom prst="straightConnector1">
+              <a:avLst/>
+            </a:prstGeom>
+            <a:ln w="19050">
+              <a:solidFill>
+                <a:schemeClr val="tx1"/>
+              </a:solidFill>
+              <a:tailEnd type="arrow"/>
+            </a:ln>
+          </p:spPr>
+          <p:style>
+            <a:lnRef idx="1">
+              <a:schemeClr val="accent1"/>
+            </a:lnRef>
+            <a:fillRef idx="0">
+              <a:schemeClr val="accent1"/>
+            </a:fillRef>
+            <a:effectRef idx="0">
+              <a:schemeClr val="accent1"/>
+            </a:effectRef>
+            <a:fontRef idx="minor">
+              <a:schemeClr val="tx1"/>
+            </a:fontRef>
+          </p:style>
+        </p:cxnSp>
+        <p:sp>
+          <p:nvSpPr>
+            <p:cNvPr id="34" name="Flowchart: Decision 33"/>
+            <p:cNvSpPr/>
+            <p:nvPr/>
+          </p:nvSpPr>
+          <p:spPr>
+            <a:xfrm>
+              <a:off x="328826" y="4030495"/>
+              <a:ext cx="1905000" cy="792479"/>
+            </a:xfrm>
+            <a:prstGeom prst="flowChartDecision">
+              <a:avLst/>
+            </a:prstGeom>
+            <a:solidFill>
+              <a:schemeClr val="bg1">
+                <a:lumMod val="95000"/>
+              </a:schemeClr>
+            </a:solidFill>
+            <a:ln>
+              <a:solidFill>
+                <a:schemeClr val="tx1"/>
+              </a:solidFill>
+            </a:ln>
+          </p:spPr>
+          <p:style>
+            <a:lnRef idx="2">
+              <a:schemeClr val="accent1">
+                <a:shade val="50000"/>
+              </a:schemeClr>
+            </a:lnRef>
+            <a:fillRef idx="1">
+              <a:schemeClr val="accent1"/>
+            </a:fillRef>
+            <a:effectRef idx="0">
+              <a:schemeClr val="accent1"/>
+            </a:effectRef>
+            <a:fontRef idx="minor">
+              <a:schemeClr val="lt1"/>
+            </a:fontRef>
+          </p:style>
+          <p:txBody>
+            <a:bodyPr rtlCol="0" anchor="ctr"/>
+            <a:lstStyle/>
+            <a:p>
+              <a:pPr algn="ctr"/>
+              <a:endParaRPr lang="en-NZ" dirty="0"/>
+            </a:p>
+          </p:txBody>
+        </p:sp>
+        <p:cxnSp>
+          <p:nvCxnSpPr>
+            <p:cNvPr id="36" name="Straight Arrow Connector 35"/>
+            <p:cNvCxnSpPr>
+              <a:stCxn id="27" idx="2"/>
+              <a:endCxn id="34" idx="0"/>
+            </p:cNvCxnSpPr>
+            <p:nvPr/>
+          </p:nvCxnSpPr>
+          <p:spPr>
+            <a:xfrm flipH="1">
+              <a:off x="1281326" y="3696815"/>
+              <a:ext cx="1" cy="333680"/>
+            </a:xfrm>
+            <a:prstGeom prst="straightConnector1">
+              <a:avLst/>
+            </a:prstGeom>
+            <a:ln w="19050">
+              <a:solidFill>
+                <a:schemeClr val="tx1"/>
+              </a:solidFill>
+              <a:tailEnd type="arrow"/>
+            </a:ln>
+          </p:spPr>
+          <p:style>
+            <a:lnRef idx="1">
+              <a:schemeClr val="accent1"/>
+            </a:lnRef>
+            <a:fillRef idx="0">
+              <a:schemeClr val="accent1"/>
+            </a:fillRef>
+            <a:effectRef idx="0">
+              <a:schemeClr val="accent1"/>
+            </a:effectRef>
+            <a:fontRef idx="minor">
+              <a:schemeClr val="tx1"/>
+            </a:fontRef>
+          </p:style>
+        </p:cxnSp>
+        <p:sp>
+          <p:nvSpPr>
+            <p:cNvPr id="39" name="TextBox 38"/>
+            <p:cNvSpPr txBox="1"/>
+            <p:nvPr/>
+          </p:nvSpPr>
+          <p:spPr>
+            <a:xfrm>
+              <a:off x="639841" y="4242069"/>
+              <a:ext cx="1282980" cy="369332"/>
+            </a:xfrm>
+            <a:prstGeom prst="rect">
+              <a:avLst/>
+            </a:prstGeom>
+            <a:noFill/>
+          </p:spPr>
+          <p:txBody>
+            <a:bodyPr wrap="none" rtlCol="0">
+              <a:spAutoFit/>
+            </a:bodyPr>
+            <a:lstStyle/>
+            <a:p>
+              <a:pPr algn="ctr"/>
+              <a:r>
+                <a:rPr lang="en-NZ" dirty="0" smtClean="0"/>
+                <a:t>Follow </a:t>
+              </a:r>
+              <a:r>
+                <a:rPr lang="en-NZ" dirty="0" smtClean="0"/>
+                <a:t>path</a:t>
+              </a:r>
+              <a:endParaRPr lang="en-NZ" dirty="0"/>
+            </a:p>
+          </p:txBody>
+        </p:sp>
+        <p:cxnSp>
+          <p:nvCxnSpPr>
+            <p:cNvPr id="44" name="Straight Arrow Connector 43"/>
+            <p:cNvCxnSpPr>
+              <a:stCxn id="19" idx="2"/>
+              <a:endCxn id="6" idx="0"/>
+            </p:cNvCxnSpPr>
+            <p:nvPr/>
+          </p:nvCxnSpPr>
+          <p:spPr>
+            <a:xfrm flipH="1">
+              <a:off x="1281327" y="1162118"/>
+              <a:ext cx="1" cy="627528"/>
+            </a:xfrm>
+            <a:prstGeom prst="straightConnector1">
+              <a:avLst/>
+            </a:prstGeom>
+            <a:ln w="19050">
+              <a:solidFill>
+                <a:schemeClr val="tx1"/>
+              </a:solidFill>
+              <a:tailEnd type="arrow"/>
+            </a:ln>
+          </p:spPr>
+          <p:style>
+            <a:lnRef idx="1">
+              <a:schemeClr val="accent1"/>
+            </a:lnRef>
+            <a:fillRef idx="0">
+              <a:schemeClr val="accent1"/>
+            </a:fillRef>
+            <a:effectRef idx="0">
+              <a:schemeClr val="accent1"/>
+            </a:effectRef>
+            <a:fontRef idx="minor">
+              <a:schemeClr val="tx1"/>
+            </a:fontRef>
+          </p:style>
+        </p:cxnSp>
+        <p:cxnSp>
+          <p:nvCxnSpPr>
+            <p:cNvPr id="66" name="Straight Arrow Connector 65"/>
+            <p:cNvCxnSpPr>
+              <a:stCxn id="7" idx="2"/>
+              <a:endCxn id="5" idx="0"/>
+            </p:cNvCxnSpPr>
+            <p:nvPr/>
+          </p:nvCxnSpPr>
+          <p:spPr>
+            <a:xfrm>
+              <a:off x="5351390" y="2732412"/>
+              <a:ext cx="0" cy="288955"/>
+            </a:xfrm>
+            <a:prstGeom prst="straightConnector1">
+              <a:avLst/>
+            </a:prstGeom>
+            <a:ln w="19050">
+              <a:solidFill>
+                <a:schemeClr val="tx1"/>
+              </a:solidFill>
+              <a:tailEnd type="arrow"/>
+            </a:ln>
+          </p:spPr>
+          <p:style>
+            <a:lnRef idx="1">
+              <a:schemeClr val="accent1"/>
+            </a:lnRef>
+            <a:fillRef idx="0">
+              <a:schemeClr val="accent1"/>
+            </a:fillRef>
+            <a:effectRef idx="0">
+              <a:schemeClr val="accent1"/>
+            </a:effectRef>
+            <a:fontRef idx="minor">
+              <a:schemeClr val="tx1"/>
+            </a:fontRef>
+          </p:style>
+        </p:cxnSp>
+        <p:sp>
+          <p:nvSpPr>
+            <p:cNvPr id="70" name="TextBox 69"/>
+            <p:cNvSpPr txBox="1"/>
+            <p:nvPr/>
+          </p:nvSpPr>
+          <p:spPr>
+            <a:xfrm>
+              <a:off x="2121835" y="4449468"/>
+              <a:ext cx="1008514" cy="646331"/>
+            </a:xfrm>
+            <a:prstGeom prst="rect">
+              <a:avLst/>
+            </a:prstGeom>
+            <a:noFill/>
+          </p:spPr>
+          <p:txBody>
+            <a:bodyPr wrap="square" rtlCol="0">
+              <a:spAutoFit/>
+            </a:bodyPr>
+            <a:lstStyle/>
+            <a:p>
+              <a:r>
+                <a:rPr lang="en-NZ" dirty="0" smtClean="0"/>
+                <a:t>Found</a:t>
+              </a:r>
+            </a:p>
+            <a:p>
+              <a:r>
+                <a:rPr lang="en-NZ" dirty="0" smtClean="0"/>
+                <a:t>Package</a:t>
+              </a:r>
+              <a:endParaRPr lang="en-NZ" dirty="0"/>
+            </a:p>
+          </p:txBody>
+        </p:sp>
+        <p:sp>
+          <p:nvSpPr>
+            <p:cNvPr id="83" name="Flowchart: Process 82"/>
+            <p:cNvSpPr/>
+            <p:nvPr/>
+          </p:nvSpPr>
+          <p:spPr>
+            <a:xfrm>
+              <a:off x="4398891" y="4118646"/>
+              <a:ext cx="1905000" cy="792479"/>
+            </a:xfrm>
+            <a:prstGeom prst="flowChartProcess">
+              <a:avLst/>
+            </a:prstGeom>
+            <a:solidFill>
+              <a:schemeClr val="bg1">
+                <a:lumMod val="95000"/>
+              </a:schemeClr>
+            </a:solidFill>
+            <a:ln>
+              <a:solidFill>
+                <a:schemeClr val="tx1"/>
+              </a:solidFill>
+            </a:ln>
+          </p:spPr>
+          <p:style>
+            <a:lnRef idx="2">
+              <a:schemeClr val="accent1">
+                <a:shade val="50000"/>
+              </a:schemeClr>
+            </a:lnRef>
+            <a:fillRef idx="1">
+              <a:schemeClr val="accent1"/>
+            </a:fillRef>
+            <a:effectRef idx="0">
+              <a:schemeClr val="accent1"/>
+            </a:effectRef>
+            <a:fontRef idx="minor">
+              <a:schemeClr val="lt1"/>
+            </a:fontRef>
+          </p:style>
+          <p:txBody>
+            <a:bodyPr rtlCol="0" anchor="ctr"/>
+            <a:lstStyle/>
+            <a:p>
+              <a:pPr algn="ctr"/>
+              <a:r>
+                <a:rPr lang="en-NZ" sz="2000" dirty="0" smtClean="0">
+                  <a:solidFill>
+                    <a:sysClr val="windowText" lastClr="000000"/>
+                  </a:solidFill>
+                </a:rPr>
+                <a:t>Lower Magnets</a:t>
+              </a:r>
+              <a:endParaRPr lang="en-NZ" sz="2000" dirty="0">
+                <a:solidFill>
+                  <a:sysClr val="windowText" lastClr="000000"/>
+                </a:solidFill>
+              </a:endParaRPr>
+            </a:p>
+          </p:txBody>
+        </p:sp>
+        <p:sp>
+          <p:nvSpPr>
+            <p:cNvPr id="85" name="Flowchart: Decision 84"/>
+            <p:cNvSpPr/>
+            <p:nvPr/>
+          </p:nvSpPr>
+          <p:spPr>
+            <a:xfrm>
+              <a:off x="4398890" y="5174016"/>
+              <a:ext cx="1905000" cy="792479"/>
+            </a:xfrm>
+            <a:prstGeom prst="flowChartDecision">
+              <a:avLst/>
+            </a:prstGeom>
+            <a:solidFill>
+              <a:schemeClr val="bg1">
+                <a:lumMod val="95000"/>
+              </a:schemeClr>
+            </a:solidFill>
+            <a:ln>
+              <a:solidFill>
+                <a:schemeClr val="tx1"/>
+              </a:solidFill>
+            </a:ln>
+          </p:spPr>
+          <p:style>
+            <a:lnRef idx="2">
+              <a:schemeClr val="accent1">
+                <a:shade val="50000"/>
+              </a:schemeClr>
+            </a:lnRef>
+            <a:fillRef idx="1">
+              <a:schemeClr val="accent1"/>
+            </a:fillRef>
+            <a:effectRef idx="0">
+              <a:schemeClr val="accent1"/>
+            </a:effectRef>
+            <a:fontRef idx="minor">
+              <a:schemeClr val="lt1"/>
+            </a:fontRef>
+          </p:style>
+          <p:txBody>
+            <a:bodyPr rtlCol="0" anchor="ctr"/>
+            <a:lstStyle/>
+            <a:p>
+              <a:pPr algn="ctr"/>
+              <a:endParaRPr lang="en-NZ" dirty="0"/>
+            </a:p>
+          </p:txBody>
+        </p:sp>
+        <p:sp>
+          <p:nvSpPr>
+            <p:cNvPr id="86" name="TextBox 85"/>
+            <p:cNvSpPr txBox="1"/>
+            <p:nvPr/>
+          </p:nvSpPr>
+          <p:spPr>
+            <a:xfrm>
+              <a:off x="4671239" y="5368563"/>
+              <a:ext cx="1360309" cy="369332"/>
+            </a:xfrm>
+            <a:prstGeom prst="rect">
+              <a:avLst/>
+            </a:prstGeom>
+            <a:noFill/>
+          </p:spPr>
+          <p:txBody>
+            <a:bodyPr wrap="none" rtlCol="0">
+              <a:spAutoFit/>
+            </a:bodyPr>
+            <a:lstStyle/>
+            <a:p>
+              <a:pPr algn="ctr"/>
+              <a:r>
+                <a:rPr lang="en-NZ" dirty="0" smtClean="0"/>
+                <a:t>Got Weight?</a:t>
+              </a:r>
+              <a:endParaRPr lang="en-NZ" dirty="0"/>
+            </a:p>
+          </p:txBody>
+        </p:sp>
+        <p:cxnSp>
+          <p:nvCxnSpPr>
+            <p:cNvPr id="87" name="Straight Arrow Connector 86"/>
+            <p:cNvCxnSpPr>
+              <a:stCxn id="83" idx="2"/>
+              <a:endCxn id="85" idx="0"/>
+            </p:cNvCxnSpPr>
+            <p:nvPr/>
+          </p:nvCxnSpPr>
+          <p:spPr>
+            <a:xfrm flipH="1">
+              <a:off x="5351390" y="4911125"/>
+              <a:ext cx="1" cy="262891"/>
+            </a:xfrm>
+            <a:prstGeom prst="straightConnector1">
+              <a:avLst/>
+            </a:prstGeom>
+            <a:ln w="19050">
+              <a:solidFill>
+                <a:schemeClr val="tx1"/>
+              </a:solidFill>
+              <a:tailEnd type="arrow"/>
+            </a:ln>
+          </p:spPr>
+          <p:style>
+            <a:lnRef idx="1">
+              <a:schemeClr val="accent1"/>
+            </a:lnRef>
+            <a:fillRef idx="0">
+              <a:schemeClr val="accent1"/>
+            </a:fillRef>
+            <a:effectRef idx="0">
+              <a:schemeClr val="accent1"/>
+            </a:effectRef>
+            <a:fontRef idx="minor">
+              <a:schemeClr val="tx1"/>
+            </a:fontRef>
+          </p:style>
+        </p:cxnSp>
+        <p:sp>
+          <p:nvSpPr>
+            <p:cNvPr id="90" name="Rectangle 89"/>
+            <p:cNvSpPr/>
+            <p:nvPr/>
+          </p:nvSpPr>
+          <p:spPr>
+            <a:xfrm>
+              <a:off x="3622203" y="1193097"/>
+              <a:ext cx="3733799" cy="5547629"/>
+            </a:xfrm>
+            <a:prstGeom prst="rect">
+              <a:avLst/>
+            </a:prstGeom>
+            <a:noFill/>
+            <a:ln>
+              <a:solidFill>
+                <a:schemeClr val="tx1"/>
+              </a:solidFill>
+              <a:prstDash val="dash"/>
+            </a:ln>
+          </p:spPr>
+          <p:style>
+            <a:lnRef idx="2">
+              <a:schemeClr val="accent1">
+                <a:shade val="50000"/>
+              </a:schemeClr>
+            </a:lnRef>
+            <a:fillRef idx="1">
+              <a:schemeClr val="accent1"/>
+            </a:fillRef>
+            <a:effectRef idx="0">
+              <a:schemeClr val="accent1"/>
+            </a:effectRef>
+            <a:fontRef idx="minor">
+              <a:schemeClr val="lt1"/>
+            </a:fontRef>
+          </p:style>
+          <p:txBody>
+            <a:bodyPr vert="horz" rtlCol="0" anchor="t"/>
+            <a:lstStyle/>
+            <a:p>
+              <a:pPr algn="ctr"/>
+              <a:r>
+                <a:rPr lang="en-NZ" dirty="0" smtClean="0">
+                  <a:solidFill>
+                    <a:sysClr val="windowText" lastClr="000000"/>
+                  </a:solidFill>
+                </a:rPr>
+                <a:t>COLLECTING</a:t>
+              </a:r>
+              <a:endParaRPr lang="en-NZ" dirty="0">
+                <a:solidFill>
+                  <a:sysClr val="windowText" lastClr="000000"/>
+                </a:solidFill>
+              </a:endParaRPr>
+            </a:p>
+          </p:txBody>
+        </p:sp>
+        <p:cxnSp>
+          <p:nvCxnSpPr>
+            <p:cNvPr id="97" name="Elbow Connector 96"/>
+            <p:cNvCxnSpPr>
+              <a:stCxn id="5" idx="3"/>
+              <a:endCxn id="7" idx="3"/>
+            </p:cNvCxnSpPr>
+            <p:nvPr/>
+          </p:nvCxnSpPr>
+          <p:spPr>
+            <a:xfrm flipV="1">
+              <a:off x="6303890" y="2336173"/>
+              <a:ext cx="12700" cy="1081434"/>
+            </a:xfrm>
+            <a:prstGeom prst="bentConnector3">
+              <a:avLst>
+                <a:gd name="adj1" fmla="val 1800000"/>
+              </a:avLst>
+            </a:prstGeom>
+            <a:ln w="19050">
+              <a:solidFill>
+                <a:schemeClr val="tx1"/>
+              </a:solidFill>
+              <a:tailEnd type="arrow"/>
+            </a:ln>
+          </p:spPr>
+          <p:style>
+            <a:lnRef idx="1">
+              <a:schemeClr val="accent1"/>
+            </a:lnRef>
+            <a:fillRef idx="0">
+              <a:schemeClr val="accent1"/>
+            </a:fillRef>
+            <a:effectRef idx="0">
+              <a:schemeClr val="accent1"/>
+            </a:effectRef>
+            <a:fontRef idx="minor">
+              <a:schemeClr val="tx1"/>
+            </a:fontRef>
+          </p:style>
+        </p:cxnSp>
+        <p:sp>
+          <p:nvSpPr>
+            <p:cNvPr id="100" name="TextBox 99"/>
+            <p:cNvSpPr txBox="1"/>
+            <p:nvPr/>
+          </p:nvSpPr>
+          <p:spPr>
+            <a:xfrm>
+              <a:off x="5866826" y="2698201"/>
+              <a:ext cx="688009" cy="646331"/>
+            </a:xfrm>
+            <a:prstGeom prst="rect">
+              <a:avLst/>
+            </a:prstGeom>
+            <a:noFill/>
+          </p:spPr>
+          <p:txBody>
+            <a:bodyPr wrap="none" rtlCol="0">
+              <a:spAutoFit/>
+            </a:bodyPr>
+            <a:lstStyle/>
+            <a:p>
+              <a:r>
+                <a:rPr lang="en-NZ" dirty="0" smtClean="0"/>
+                <a:t>Not</a:t>
+              </a:r>
+            </a:p>
+            <a:p>
+              <a:r>
+                <a:rPr lang="en-NZ" dirty="0"/>
+                <a:t>C</a:t>
+              </a:r>
+              <a:r>
+                <a:rPr lang="en-NZ" dirty="0" smtClean="0"/>
+                <a:t>lose</a:t>
+              </a:r>
+              <a:endParaRPr lang="en-NZ" dirty="0"/>
+            </a:p>
+          </p:txBody>
+        </p:sp>
+        <p:sp>
+          <p:nvSpPr>
+            <p:cNvPr id="101" name="TextBox 100"/>
+            <p:cNvSpPr txBox="1"/>
+            <p:nvPr/>
+          </p:nvSpPr>
+          <p:spPr>
+            <a:xfrm>
+              <a:off x="3967047" y="3014157"/>
+              <a:ext cx="568425" cy="369332"/>
+            </a:xfrm>
+            <a:prstGeom prst="rect">
+              <a:avLst/>
+            </a:prstGeom>
+            <a:noFill/>
+          </p:spPr>
+          <p:txBody>
+            <a:bodyPr wrap="none" rtlCol="0">
+              <a:spAutoFit/>
+            </a:bodyPr>
+            <a:lstStyle/>
+            <a:p>
+              <a:r>
+                <a:rPr lang="en-NZ" dirty="0" smtClean="0"/>
+                <a:t>Lost</a:t>
+              </a:r>
+              <a:endParaRPr lang="en-NZ" dirty="0"/>
+            </a:p>
+          </p:txBody>
+        </p:sp>
+        <p:sp>
+          <p:nvSpPr>
+            <p:cNvPr id="102" name="TextBox 101"/>
+            <p:cNvSpPr txBox="1"/>
+            <p:nvPr/>
+          </p:nvSpPr>
+          <p:spPr>
+            <a:xfrm>
+              <a:off x="3952213" y="5574469"/>
+              <a:ext cx="568425" cy="369332"/>
+            </a:xfrm>
+            <a:prstGeom prst="rect">
+              <a:avLst/>
+            </a:prstGeom>
+            <a:noFill/>
+          </p:spPr>
+          <p:txBody>
+            <a:bodyPr wrap="none" rtlCol="0">
+              <a:spAutoFit/>
+            </a:bodyPr>
+            <a:lstStyle/>
+            <a:p>
+              <a:r>
+                <a:rPr lang="en-NZ" dirty="0" smtClean="0"/>
+                <a:t>Lost</a:t>
+              </a:r>
+              <a:endParaRPr lang="en-NZ" dirty="0"/>
+            </a:p>
+          </p:txBody>
+        </p:sp>
+        <p:cxnSp>
+          <p:nvCxnSpPr>
+            <p:cNvPr id="106" name="Elbow Connector 105"/>
+            <p:cNvCxnSpPr>
+              <a:stCxn id="85" idx="3"/>
+              <a:endCxn id="118" idx="0"/>
+            </p:cNvCxnSpPr>
+            <p:nvPr/>
+          </p:nvCxnSpPr>
+          <p:spPr>
+            <a:xfrm flipV="1">
+              <a:off x="6303890" y="2186918"/>
+              <a:ext cx="2824389" cy="3383338"/>
+            </a:xfrm>
+            <a:prstGeom prst="bentConnector4">
+              <a:avLst>
+                <a:gd name="adj1" fmla="val 33138"/>
+                <a:gd name="adj2" fmla="val 106757"/>
+              </a:avLst>
+            </a:prstGeom>
+            <a:ln w="19050">
+              <a:solidFill>
+                <a:schemeClr val="tx1"/>
+              </a:solidFill>
+              <a:tailEnd type="arrow"/>
+            </a:ln>
+          </p:spPr>
+          <p:style>
+            <a:lnRef idx="1">
+              <a:schemeClr val="accent1"/>
+            </a:lnRef>
+            <a:fillRef idx="0">
+              <a:schemeClr val="accent1"/>
+            </a:fillRef>
+            <a:effectRef idx="0">
+              <a:schemeClr val="accent1"/>
+            </a:effectRef>
+            <a:fontRef idx="minor">
+              <a:schemeClr val="tx1"/>
+            </a:fontRef>
+          </p:style>
+        </p:cxnSp>
+        <p:sp>
+          <p:nvSpPr>
+            <p:cNvPr id="118" name="Flowchart: Process 117"/>
+            <p:cNvSpPr/>
+            <p:nvPr/>
+          </p:nvSpPr>
+          <p:spPr>
+            <a:xfrm>
+              <a:off x="8175779" y="2186918"/>
+              <a:ext cx="1905000" cy="792479"/>
+            </a:xfrm>
+            <a:prstGeom prst="flowChartProcess">
+              <a:avLst/>
+            </a:prstGeom>
+            <a:solidFill>
+              <a:schemeClr val="bg1">
+                <a:lumMod val="95000"/>
+              </a:schemeClr>
+            </a:solidFill>
+            <a:ln>
+              <a:solidFill>
+                <a:schemeClr val="tx1"/>
+              </a:solidFill>
+            </a:ln>
+          </p:spPr>
+          <p:style>
+            <a:lnRef idx="2">
+              <a:schemeClr val="accent1">
+                <a:shade val="50000"/>
+              </a:schemeClr>
+            </a:lnRef>
+            <a:fillRef idx="1">
+              <a:schemeClr val="accent1"/>
+            </a:fillRef>
+            <a:effectRef idx="0">
+              <a:schemeClr val="accent1"/>
+            </a:effectRef>
+            <a:fontRef idx="minor">
+              <a:schemeClr val="lt1"/>
+            </a:fontRef>
+          </p:style>
+          <p:txBody>
+            <a:bodyPr rtlCol="0" anchor="ctr"/>
+            <a:lstStyle/>
+            <a:p>
+              <a:pPr algn="ctr"/>
+              <a:r>
+                <a:rPr lang="en-NZ" sz="2000" dirty="0" smtClean="0">
+                  <a:solidFill>
+                    <a:sysClr val="windowText" lastClr="000000"/>
+                  </a:solidFill>
+                </a:rPr>
+                <a:t>D* to Create Point Path</a:t>
+              </a:r>
+              <a:endParaRPr lang="en-NZ" sz="2000" dirty="0">
+                <a:solidFill>
+                  <a:sysClr val="windowText" lastClr="000000"/>
+                </a:solidFill>
+              </a:endParaRPr>
+            </a:p>
+          </p:txBody>
+        </p:sp>
+        <p:sp>
+          <p:nvSpPr>
+            <p:cNvPr id="119" name="Flowchart: Decision 118"/>
+            <p:cNvSpPr/>
+            <p:nvPr/>
+          </p:nvSpPr>
+          <p:spPr>
+            <a:xfrm>
+              <a:off x="8175778" y="3313077"/>
+              <a:ext cx="1905000" cy="792479"/>
+            </a:xfrm>
+            <a:prstGeom prst="flowChartDecision">
+              <a:avLst/>
+            </a:prstGeom>
+            <a:solidFill>
+              <a:schemeClr val="bg1">
+                <a:lumMod val="95000"/>
+              </a:schemeClr>
+            </a:solidFill>
+            <a:ln>
+              <a:solidFill>
+                <a:schemeClr val="tx1"/>
+              </a:solidFill>
+            </a:ln>
+          </p:spPr>
+          <p:style>
+            <a:lnRef idx="2">
+              <a:schemeClr val="accent1">
+                <a:shade val="50000"/>
+              </a:schemeClr>
+            </a:lnRef>
+            <a:fillRef idx="1">
+              <a:schemeClr val="accent1"/>
+            </a:fillRef>
+            <a:effectRef idx="0">
+              <a:schemeClr val="accent1"/>
+            </a:effectRef>
+            <a:fontRef idx="minor">
+              <a:schemeClr val="lt1"/>
+            </a:fontRef>
+          </p:style>
+          <p:txBody>
+            <a:bodyPr rtlCol="0" anchor="ctr"/>
+            <a:lstStyle/>
+            <a:p>
+              <a:pPr algn="ctr"/>
+              <a:endParaRPr lang="en-NZ" dirty="0"/>
+            </a:p>
+          </p:txBody>
+        </p:sp>
+        <p:cxnSp>
+          <p:nvCxnSpPr>
+            <p:cNvPr id="123" name="Straight Arrow Connector 122"/>
+            <p:cNvCxnSpPr>
+              <a:stCxn id="118" idx="2"/>
+              <a:endCxn id="119" idx="0"/>
+            </p:cNvCxnSpPr>
+            <p:nvPr/>
+          </p:nvCxnSpPr>
+          <p:spPr>
+            <a:xfrm flipH="1">
+              <a:off x="9128278" y="2979397"/>
+              <a:ext cx="1" cy="333680"/>
+            </a:xfrm>
+            <a:prstGeom prst="straightConnector1">
+              <a:avLst/>
+            </a:prstGeom>
+            <a:ln w="19050">
+              <a:solidFill>
+                <a:schemeClr val="tx1"/>
+              </a:solidFill>
+              <a:tailEnd type="arrow"/>
+            </a:ln>
+          </p:spPr>
+          <p:style>
+            <a:lnRef idx="1">
+              <a:schemeClr val="accent1"/>
+            </a:lnRef>
+            <a:fillRef idx="0">
+              <a:schemeClr val="accent1"/>
+            </a:fillRef>
+            <a:effectRef idx="0">
+              <a:schemeClr val="accent1"/>
+            </a:effectRef>
+            <a:fontRef idx="minor">
+              <a:schemeClr val="tx1"/>
+            </a:fontRef>
+          </p:style>
+        </p:cxnSp>
+        <p:sp>
+          <p:nvSpPr>
+            <p:cNvPr id="126" name="TextBox 125"/>
+            <p:cNvSpPr txBox="1"/>
+            <p:nvPr/>
+          </p:nvSpPr>
+          <p:spPr>
+            <a:xfrm>
+              <a:off x="8488541" y="3524650"/>
+              <a:ext cx="1282980" cy="369332"/>
+            </a:xfrm>
+            <a:prstGeom prst="rect">
+              <a:avLst/>
+            </a:prstGeom>
+            <a:noFill/>
+          </p:spPr>
+          <p:txBody>
+            <a:bodyPr wrap="none" rtlCol="0">
+              <a:spAutoFit/>
+            </a:bodyPr>
+            <a:lstStyle/>
+            <a:p>
+              <a:pPr algn="ctr"/>
+              <a:r>
+                <a:rPr lang="en-NZ" dirty="0" smtClean="0"/>
+                <a:t>Follow </a:t>
+              </a:r>
+              <a:r>
+                <a:rPr lang="en-NZ" dirty="0" smtClean="0"/>
+                <a:t>path</a:t>
+              </a:r>
+              <a:endParaRPr lang="en-NZ" dirty="0"/>
+            </a:p>
+          </p:txBody>
+        </p:sp>
+        <p:cxnSp>
+          <p:nvCxnSpPr>
+            <p:cNvPr id="127" name="Elbow Connector 126"/>
+            <p:cNvCxnSpPr>
+              <a:stCxn id="119" idx="1"/>
+              <a:endCxn id="118" idx="1"/>
+            </p:cNvCxnSpPr>
+            <p:nvPr/>
+          </p:nvCxnSpPr>
+          <p:spPr>
+            <a:xfrm rot="10800000" flipH="1">
+              <a:off x="8175777" y="2583159"/>
+              <a:ext cx="1" cy="1126159"/>
+            </a:xfrm>
+            <a:prstGeom prst="bentConnector3">
+              <a:avLst>
+                <a:gd name="adj1" fmla="val -22860000000"/>
+              </a:avLst>
+            </a:prstGeom>
+            <a:ln w="19050">
+              <a:solidFill>
+                <a:schemeClr val="tx1"/>
+              </a:solidFill>
+              <a:tailEnd type="arrow"/>
+            </a:ln>
+          </p:spPr>
+          <p:style>
+            <a:lnRef idx="1">
+              <a:schemeClr val="accent1"/>
+            </a:lnRef>
+            <a:fillRef idx="0">
+              <a:schemeClr val="accent1"/>
+            </a:fillRef>
+            <a:effectRef idx="0">
+              <a:schemeClr val="accent1"/>
+            </a:effectRef>
+            <a:fontRef idx="minor">
+              <a:schemeClr val="tx1"/>
+            </a:fontRef>
+          </p:style>
+        </p:cxnSp>
+        <p:cxnSp>
+          <p:nvCxnSpPr>
+            <p:cNvPr id="130" name="Straight Arrow Connector 129"/>
+            <p:cNvCxnSpPr>
+              <a:stCxn id="119" idx="2"/>
+              <a:endCxn id="131" idx="0"/>
+            </p:cNvCxnSpPr>
+            <p:nvPr/>
+          </p:nvCxnSpPr>
+          <p:spPr>
+            <a:xfrm>
+              <a:off x="9128278" y="4105556"/>
+              <a:ext cx="1753" cy="270838"/>
+            </a:xfrm>
+            <a:prstGeom prst="straightConnector1">
+              <a:avLst/>
+            </a:prstGeom>
+            <a:ln w="19050">
+              <a:solidFill>
+                <a:schemeClr val="tx1"/>
+              </a:solidFill>
+              <a:tailEnd type="arrow"/>
+            </a:ln>
+          </p:spPr>
+          <p:style>
+            <a:lnRef idx="1">
+              <a:schemeClr val="accent1"/>
+            </a:lnRef>
+            <a:fillRef idx="0">
+              <a:schemeClr val="accent1"/>
+            </a:fillRef>
+            <a:effectRef idx="0">
+              <a:schemeClr val="accent1"/>
+            </a:effectRef>
+            <a:fontRef idx="minor">
+              <a:schemeClr val="tx1"/>
+            </a:fontRef>
+          </p:style>
+        </p:cxnSp>
+        <p:sp>
+          <p:nvSpPr>
+            <p:cNvPr id="131" name="Flowchart: Process 130"/>
+            <p:cNvSpPr/>
+            <p:nvPr/>
+          </p:nvSpPr>
+          <p:spPr>
+            <a:xfrm>
+              <a:off x="8177531" y="4376394"/>
+              <a:ext cx="1905000" cy="792479"/>
+            </a:xfrm>
+            <a:prstGeom prst="flowChartProcess">
+              <a:avLst/>
+            </a:prstGeom>
+            <a:solidFill>
+              <a:schemeClr val="bg1">
+                <a:lumMod val="95000"/>
+              </a:schemeClr>
+            </a:solidFill>
+            <a:ln>
+              <a:solidFill>
+                <a:schemeClr val="tx1"/>
+              </a:solidFill>
+            </a:ln>
+          </p:spPr>
+          <p:style>
+            <a:lnRef idx="2">
+              <a:schemeClr val="accent1">
+                <a:shade val="50000"/>
+              </a:schemeClr>
+            </a:lnRef>
+            <a:fillRef idx="1">
+              <a:schemeClr val="accent1"/>
+            </a:fillRef>
+            <a:effectRef idx="0">
+              <a:schemeClr val="accent1"/>
+            </a:effectRef>
+            <a:fontRef idx="minor">
+              <a:schemeClr val="lt1"/>
+            </a:fontRef>
+          </p:style>
+          <p:txBody>
+            <a:bodyPr rtlCol="0" anchor="ctr"/>
+            <a:lstStyle/>
+            <a:p>
+              <a:pPr algn="ctr"/>
+              <a:r>
+                <a:rPr lang="en-NZ" sz="2000" dirty="0" smtClean="0">
+                  <a:solidFill>
+                    <a:sysClr val="windowText" lastClr="000000"/>
+                  </a:solidFill>
+                </a:rPr>
+                <a:t>Lower Magnets</a:t>
+              </a:r>
+              <a:endParaRPr lang="en-NZ" sz="2000" dirty="0">
+                <a:solidFill>
+                  <a:sysClr val="windowText" lastClr="000000"/>
+                </a:solidFill>
+              </a:endParaRPr>
+            </a:p>
+          </p:txBody>
+        </p:sp>
+        <p:cxnSp>
+          <p:nvCxnSpPr>
+            <p:cNvPr id="136" name="Elbow Connector 135"/>
+            <p:cNvCxnSpPr>
+              <a:stCxn id="131" idx="3"/>
+              <a:endCxn id="6" idx="0"/>
+            </p:cNvCxnSpPr>
+            <p:nvPr/>
+          </p:nvCxnSpPr>
+          <p:spPr>
+            <a:xfrm flipH="1" flipV="1">
+              <a:off x="1281327" y="1789646"/>
+              <a:ext cx="8801204" cy="2982988"/>
+            </a:xfrm>
+            <a:prstGeom prst="bentConnector4">
+              <a:avLst>
+                <a:gd name="adj1" fmla="val -2597"/>
+                <a:gd name="adj2" fmla="val 107663"/>
+              </a:avLst>
+            </a:prstGeom>
+            <a:ln w="19050">
+              <a:solidFill>
+                <a:schemeClr val="tx1"/>
+              </a:solidFill>
+              <a:tailEnd type="arrow"/>
+            </a:ln>
+          </p:spPr>
+          <p:style>
+            <a:lnRef idx="1">
+              <a:schemeClr val="accent1"/>
+            </a:lnRef>
+            <a:fillRef idx="0">
+              <a:schemeClr val="accent1"/>
+            </a:fillRef>
+            <a:effectRef idx="0">
+              <a:schemeClr val="accent1"/>
+            </a:effectRef>
+            <a:fontRef idx="minor">
+              <a:schemeClr val="tx1"/>
+            </a:fontRef>
+          </p:style>
+        </p:cxnSp>
+        <p:sp>
+          <p:nvSpPr>
+            <p:cNvPr id="143" name="Rectangle 142"/>
+            <p:cNvSpPr/>
+            <p:nvPr/>
+          </p:nvSpPr>
+          <p:spPr>
+            <a:xfrm>
+              <a:off x="7699529" y="1193097"/>
+              <a:ext cx="2780674" cy="4500620"/>
+            </a:xfrm>
+            <a:prstGeom prst="rect">
+              <a:avLst/>
+            </a:prstGeom>
+            <a:noFill/>
+            <a:ln>
+              <a:solidFill>
+                <a:schemeClr val="tx1"/>
+              </a:solidFill>
+              <a:prstDash val="dash"/>
+            </a:ln>
+          </p:spPr>
+          <p:style>
+            <a:lnRef idx="2">
+              <a:schemeClr val="accent1">
+                <a:shade val="50000"/>
+              </a:schemeClr>
+            </a:lnRef>
+            <a:fillRef idx="1">
+              <a:schemeClr val="accent1"/>
+            </a:fillRef>
+            <a:effectRef idx="0">
+              <a:schemeClr val="accent1"/>
+            </a:effectRef>
+            <a:fontRef idx="minor">
+              <a:schemeClr val="lt1"/>
+            </a:fontRef>
+          </p:style>
+          <p:txBody>
+            <a:bodyPr vert="horz" rtlCol="0" anchor="t"/>
+            <a:lstStyle/>
+            <a:p>
+              <a:pPr algn="ctr"/>
+              <a:r>
+                <a:rPr lang="en-NZ" dirty="0" smtClean="0">
+                  <a:solidFill>
+                    <a:sysClr val="windowText" lastClr="000000"/>
+                  </a:solidFill>
+                </a:rPr>
+                <a:t>RETURNING</a:t>
+              </a:r>
+              <a:endParaRPr lang="en-NZ" dirty="0">
+                <a:solidFill>
+                  <a:sysClr val="windowText" lastClr="000000"/>
+                </a:solidFill>
+              </a:endParaRPr>
+            </a:p>
+          </p:txBody>
+        </p:sp>
+        <p:sp>
+          <p:nvSpPr>
+            <p:cNvPr id="144" name="TextBox 143"/>
+            <p:cNvSpPr txBox="1"/>
+            <p:nvPr/>
+          </p:nvSpPr>
+          <p:spPr>
+            <a:xfrm>
+              <a:off x="5282418" y="6213741"/>
+              <a:ext cx="1595952" cy="369332"/>
+            </a:xfrm>
+            <a:prstGeom prst="rect">
+              <a:avLst/>
+            </a:prstGeom>
+            <a:noFill/>
+          </p:spPr>
+          <p:txBody>
+            <a:bodyPr wrap="square" rtlCol="0">
+              <a:spAutoFit/>
+            </a:bodyPr>
+            <a:lstStyle/>
+            <a:p>
+              <a:r>
+                <a:rPr lang="en-NZ" dirty="0" smtClean="0"/>
+                <a:t>Collected </a:t>
+              </a:r>
+              <a:r>
+                <a:rPr lang="en-NZ" dirty="0" smtClean="0"/>
+                <a:t>&amp; </a:t>
+              </a:r>
+              <a:r>
+                <a:rPr lang="en-NZ" dirty="0" smtClean="0"/>
+                <a:t>&gt;3</a:t>
+              </a:r>
+              <a:endParaRPr lang="en-NZ" dirty="0"/>
+            </a:p>
+          </p:txBody>
+        </p:sp>
+        <p:cxnSp>
+          <p:nvCxnSpPr>
+            <p:cNvPr id="122" name="Elbow Connector 121"/>
+            <p:cNvCxnSpPr>
+              <a:stCxn id="5" idx="1"/>
+              <a:endCxn id="85" idx="1"/>
+            </p:cNvCxnSpPr>
+            <p:nvPr/>
+          </p:nvCxnSpPr>
+          <p:spPr>
+            <a:xfrm rot="10800000" flipV="1">
+              <a:off x="4398890" y="3417606"/>
+              <a:ext cx="12700" cy="2152649"/>
+            </a:xfrm>
+            <a:prstGeom prst="bentConnector3">
+              <a:avLst>
+                <a:gd name="adj1" fmla="val 1800000"/>
+              </a:avLst>
+            </a:prstGeom>
+            <a:ln w="19050">
+              <a:solidFill>
+                <a:schemeClr val="tx1"/>
+              </a:solidFill>
+            </a:ln>
+          </p:spPr>
+          <p:style>
+            <a:lnRef idx="1">
+              <a:schemeClr val="accent1"/>
+            </a:lnRef>
+            <a:fillRef idx="0">
+              <a:schemeClr val="accent1"/>
+            </a:fillRef>
+            <a:effectRef idx="0">
+              <a:schemeClr val="accent1"/>
+            </a:effectRef>
+            <a:fontRef idx="minor">
+              <a:schemeClr val="tx1"/>
+            </a:fontRef>
+          </p:style>
+        </p:cxnSp>
+        <p:cxnSp>
+          <p:nvCxnSpPr>
+            <p:cNvPr id="134" name="Elbow Connector 133"/>
+            <p:cNvCxnSpPr>
+              <a:stCxn id="131" idx="3"/>
+              <a:endCxn id="85" idx="2"/>
+            </p:cNvCxnSpPr>
+            <p:nvPr/>
+          </p:nvCxnSpPr>
+          <p:spPr>
+            <a:xfrm flipH="1">
+              <a:off x="5351390" y="4772634"/>
+              <a:ext cx="4731141" cy="1193861"/>
+            </a:xfrm>
+            <a:prstGeom prst="bentConnector4">
+              <a:avLst>
+                <a:gd name="adj1" fmla="val -4832"/>
+                <a:gd name="adj2" fmla="val 119148"/>
+              </a:avLst>
+            </a:prstGeom>
+            <a:ln w="19050">
+              <a:solidFill>
+                <a:schemeClr val="tx1"/>
+              </a:solidFill>
+            </a:ln>
+          </p:spPr>
+          <p:style>
+            <a:lnRef idx="1">
+              <a:schemeClr val="accent1"/>
+            </a:lnRef>
+            <a:fillRef idx="0">
+              <a:schemeClr val="accent1"/>
+            </a:fillRef>
+            <a:effectRef idx="0">
+              <a:schemeClr val="accent1"/>
+            </a:effectRef>
+            <a:fontRef idx="minor">
+              <a:schemeClr val="tx1"/>
+            </a:fontRef>
+          </p:style>
+        </p:cxnSp>
+        <p:sp>
+          <p:nvSpPr>
+            <p:cNvPr id="153" name="TextBox 152"/>
+            <p:cNvSpPr txBox="1"/>
+            <p:nvPr/>
+          </p:nvSpPr>
+          <p:spPr>
+            <a:xfrm>
+              <a:off x="9203188" y="3996992"/>
+              <a:ext cx="879343" cy="369332"/>
+            </a:xfrm>
+            <a:prstGeom prst="rect">
+              <a:avLst/>
+            </a:prstGeom>
+            <a:noFill/>
+          </p:spPr>
+          <p:txBody>
+            <a:bodyPr wrap="none" rtlCol="0">
+              <a:spAutoFit/>
+            </a:bodyPr>
+            <a:lstStyle/>
+            <a:p>
+              <a:r>
+                <a:rPr lang="en-NZ" dirty="0" smtClean="0"/>
+                <a:t>At base</a:t>
+              </a:r>
+              <a:endParaRPr lang="en-NZ" dirty="0"/>
+            </a:p>
+          </p:txBody>
+        </p:sp>
+        <p:sp>
+          <p:nvSpPr>
+            <p:cNvPr id="154" name="TextBox 153"/>
+            <p:cNvSpPr txBox="1"/>
+            <p:nvPr/>
+          </p:nvSpPr>
+          <p:spPr>
+            <a:xfrm>
+              <a:off x="7717689" y="3707329"/>
+              <a:ext cx="770852" cy="646331"/>
+            </a:xfrm>
+            <a:prstGeom prst="rect">
+              <a:avLst/>
+            </a:prstGeom>
+            <a:noFill/>
+          </p:spPr>
+          <p:txBody>
+            <a:bodyPr wrap="none" rtlCol="0">
+              <a:spAutoFit/>
+            </a:bodyPr>
+            <a:lstStyle/>
+            <a:p>
+              <a:r>
+                <a:rPr lang="en-NZ" dirty="0" smtClean="0"/>
+                <a:t>Not a</a:t>
+              </a:r>
+              <a:r>
+                <a:rPr lang="en-NZ" dirty="0" smtClean="0"/>
+                <a:t>t</a:t>
+              </a:r>
+            </a:p>
+            <a:p>
+              <a:r>
+                <a:rPr lang="en-NZ" dirty="0" smtClean="0"/>
+                <a:t>base</a:t>
+              </a:r>
+              <a:endParaRPr lang="en-NZ" dirty="0"/>
+            </a:p>
+          </p:txBody>
+        </p:sp>
+      </p:grpSp>
+    </p:spTree>
+    <p:extLst>
+      <p:ext uri="{BB962C8B-B14F-4D97-AF65-F5344CB8AC3E}">
+        <p14:creationId xmlns:p14="http://schemas.microsoft.com/office/powerpoint/2010/main" val="379038371"/>
+      </p:ext>
+    </p:extLst>
+  </p:cSld>
+  <p:clrMapOvr>
+    <a:masterClrMapping/>
+  </p:clrMapOvr>
+</p:sld>
+</file>
+
+<file path=ppt/slides/slide5.xml><?xml version="1.0" encoding="utf-8"?>
+<p:sld xmlns:a="http://schemas.openxmlformats.org/drawingml/2006/main" xmlns:r="http://schemas.openxmlformats.org/officeDocument/2006/relationships" xmlns:p="http://schemas.openxmlformats.org/presentationml/2006/main">
+  <p:cSld>
+    <p:spTree>
+      <p:nvGrpSpPr>
+        <p:cNvPr id="1" name=""/>
+        <p:cNvGrpSpPr/>
+        <p:nvPr/>
+      </p:nvGrpSpPr>
+      <p:grpSpPr>
+        <a:xfrm>
+          <a:off x="0" y="0"/>
+          <a:ext cx="0" cy="0"/>
+          <a:chOff x="0" y="0"/>
+          <a:chExt cx="0" cy="0"/>
+        </a:xfrm>
+      </p:grpSpPr>
+      <p:grpSp>
+        <p:nvGrpSpPr>
+          <p:cNvPr id="82" name="Group 81"/>
+          <p:cNvGrpSpPr/>
+          <p:nvPr/>
+        </p:nvGrpSpPr>
+        <p:grpSpPr>
+          <a:xfrm>
+            <a:off x="2437206" y="-1407353"/>
+            <a:ext cx="3124201" cy="8060263"/>
+            <a:chOff x="1524000" y="-1793296"/>
+            <a:chExt cx="3124201" cy="8060263"/>
+          </a:xfrm>
+        </p:grpSpPr>
+        <p:sp>
+          <p:nvSpPr>
+            <p:cNvPr id="5" name="Flowchart: Process 4"/>
+            <p:cNvSpPr/>
+            <p:nvPr/>
+          </p:nvSpPr>
+          <p:spPr>
+            <a:xfrm>
+              <a:off x="2216863" y="-435412"/>
+              <a:ext cx="1905000" cy="792479"/>
+            </a:xfrm>
+            <a:prstGeom prst="flowChartProcess">
+              <a:avLst/>
+            </a:prstGeom>
+            <a:solidFill>
+              <a:schemeClr val="bg1">
+                <a:lumMod val="95000"/>
+              </a:schemeClr>
+            </a:solidFill>
+            <a:ln>
+              <a:solidFill>
+                <a:schemeClr val="tx1"/>
+              </a:solidFill>
+            </a:ln>
+          </p:spPr>
+          <p:style>
+            <a:lnRef idx="2">
+              <a:schemeClr val="accent1">
+                <a:shade val="50000"/>
+              </a:schemeClr>
+            </a:lnRef>
+            <a:fillRef idx="1">
+              <a:schemeClr val="accent1"/>
+            </a:fillRef>
+            <a:effectRef idx="0">
+              <a:schemeClr val="accent1"/>
+            </a:effectRef>
+            <a:fontRef idx="minor">
+              <a:schemeClr val="lt1"/>
+            </a:fontRef>
+          </p:style>
+          <p:txBody>
+            <a:bodyPr rtlCol="0" anchor="ctr"/>
+            <a:lstStyle/>
+            <a:p>
+              <a:pPr algn="ctr"/>
+              <a:r>
+                <a:rPr lang="en-NZ" sz="2000" dirty="0" smtClean="0">
+                  <a:solidFill>
+                    <a:sysClr val="windowText" lastClr="000000"/>
+                  </a:solidFill>
+                </a:rPr>
+                <a:t>Update Sensors</a:t>
+              </a:r>
+              <a:endParaRPr lang="en-NZ" sz="2000" dirty="0">
+                <a:solidFill>
+                  <a:sysClr val="windowText" lastClr="000000"/>
+                </a:solidFill>
+              </a:endParaRPr>
+            </a:p>
+          </p:txBody>
+        </p:sp>
+        <p:sp>
+          <p:nvSpPr>
+            <p:cNvPr id="8" name="TextBox 7"/>
+            <p:cNvSpPr txBox="1"/>
+            <p:nvPr/>
+          </p:nvSpPr>
+          <p:spPr>
+            <a:xfrm>
+              <a:off x="2683844" y="4668602"/>
+              <a:ext cx="485518" cy="369332"/>
+            </a:xfrm>
+            <a:prstGeom prst="rect">
+              <a:avLst/>
+            </a:prstGeom>
+            <a:noFill/>
+          </p:spPr>
+          <p:txBody>
+            <a:bodyPr wrap="none" rtlCol="0">
+              <a:spAutoFit/>
+            </a:bodyPr>
+            <a:lstStyle/>
+            <a:p>
+              <a:r>
+                <a:rPr lang="en-NZ" dirty="0" smtClean="0"/>
+                <a:t>Yes</a:t>
+              </a:r>
+              <a:endParaRPr lang="en-NZ" dirty="0"/>
+            </a:p>
+          </p:txBody>
+        </p:sp>
+        <p:cxnSp>
+          <p:nvCxnSpPr>
+            <p:cNvPr id="11" name="Elbow Connector 10"/>
+            <p:cNvCxnSpPr>
+              <a:stCxn id="21" idx="3"/>
+              <a:endCxn id="5" idx="3"/>
+            </p:cNvCxnSpPr>
+            <p:nvPr/>
+          </p:nvCxnSpPr>
+          <p:spPr>
+            <a:xfrm flipV="1">
+              <a:off x="4121863" y="-39172"/>
+              <a:ext cx="12700" cy="4364079"/>
+            </a:xfrm>
+            <a:prstGeom prst="bentConnector3">
+              <a:avLst>
+                <a:gd name="adj1" fmla="val 1800000"/>
+              </a:avLst>
+            </a:prstGeom>
+            <a:ln w="19050">
+              <a:solidFill>
+                <a:schemeClr val="tx1"/>
+              </a:solidFill>
+              <a:tailEnd type="arrow"/>
+            </a:ln>
+          </p:spPr>
+          <p:style>
+            <a:lnRef idx="1">
+              <a:schemeClr val="accent1"/>
+            </a:lnRef>
+            <a:fillRef idx="0">
+              <a:schemeClr val="accent1"/>
+            </a:fillRef>
+            <a:effectRef idx="0">
+              <a:schemeClr val="accent1"/>
+            </a:effectRef>
+            <a:fontRef idx="minor">
+              <a:schemeClr val="tx1"/>
+            </a:fontRef>
+          </p:style>
+        </p:cxnSp>
+        <p:sp>
+          <p:nvSpPr>
+            <p:cNvPr id="18" name="Rectangle 17"/>
+            <p:cNvSpPr/>
+            <p:nvPr/>
+          </p:nvSpPr>
+          <p:spPr>
+            <a:xfrm>
+              <a:off x="1524001" y="-762000"/>
+              <a:ext cx="3124200" cy="2493920"/>
+            </a:xfrm>
+            <a:prstGeom prst="rect">
+              <a:avLst/>
+            </a:prstGeom>
+            <a:noFill/>
+            <a:ln>
+              <a:solidFill>
+                <a:schemeClr val="tx1"/>
+              </a:solidFill>
+              <a:prstDash val="dash"/>
+            </a:ln>
+          </p:spPr>
+          <p:style>
+            <a:lnRef idx="2">
+              <a:schemeClr val="accent1">
+                <a:shade val="50000"/>
+              </a:schemeClr>
+            </a:lnRef>
+            <a:fillRef idx="1">
+              <a:schemeClr val="accent1"/>
+            </a:fillRef>
+            <a:effectRef idx="0">
+              <a:schemeClr val="accent1"/>
+            </a:effectRef>
+            <a:fontRef idx="minor">
+              <a:schemeClr val="lt1"/>
+            </a:fontRef>
+          </p:style>
+          <p:txBody>
+            <a:bodyPr vert="vert270" rtlCol="0" anchor="t"/>
+            <a:lstStyle/>
+            <a:p>
+              <a:pPr algn="ctr"/>
+              <a:r>
+                <a:rPr lang="en-NZ" dirty="0" smtClean="0">
+                  <a:solidFill>
+                    <a:sysClr val="windowText" lastClr="000000"/>
+                  </a:solidFill>
+                </a:rPr>
+                <a:t>STATE ESTIMATE</a:t>
+              </a:r>
+              <a:endParaRPr lang="en-NZ" dirty="0">
+                <a:solidFill>
+                  <a:sysClr val="windowText" lastClr="000000"/>
+                </a:solidFill>
+              </a:endParaRPr>
+            </a:p>
+          </p:txBody>
+        </p:sp>
+        <p:sp>
+          <p:nvSpPr>
+            <p:cNvPr id="19" name="Flowchart: Process 18"/>
+            <p:cNvSpPr/>
+            <p:nvPr/>
+          </p:nvSpPr>
+          <p:spPr>
+            <a:xfrm>
+              <a:off x="2216863" y="673855"/>
+              <a:ext cx="1905000" cy="792479"/>
+            </a:xfrm>
+            <a:prstGeom prst="flowChartProcess">
+              <a:avLst/>
+            </a:prstGeom>
+            <a:solidFill>
+              <a:schemeClr val="bg1">
+                <a:lumMod val="95000"/>
+              </a:schemeClr>
+            </a:solidFill>
+            <a:ln>
+              <a:solidFill>
+                <a:schemeClr val="tx1"/>
+              </a:solidFill>
+            </a:ln>
+          </p:spPr>
+          <p:style>
+            <a:lnRef idx="2">
+              <a:schemeClr val="accent1">
+                <a:shade val="50000"/>
+              </a:schemeClr>
+            </a:lnRef>
+            <a:fillRef idx="1">
+              <a:schemeClr val="accent1"/>
+            </a:fillRef>
+            <a:effectRef idx="0">
+              <a:schemeClr val="accent1"/>
+            </a:effectRef>
+            <a:fontRef idx="minor">
+              <a:schemeClr val="lt1"/>
+            </a:fontRef>
+          </p:style>
+          <p:txBody>
+            <a:bodyPr rtlCol="0" anchor="ctr"/>
+            <a:lstStyle/>
+            <a:p>
+              <a:pPr algn="ctr"/>
+              <a:r>
+                <a:rPr lang="en-NZ" sz="2000" dirty="0" smtClean="0">
+                  <a:solidFill>
+                    <a:sysClr val="windowText" lastClr="000000"/>
+                  </a:solidFill>
+                </a:rPr>
+                <a:t>Estimate State from Encoder</a:t>
+              </a:r>
+              <a:endParaRPr lang="en-NZ" sz="2000" dirty="0">
+                <a:solidFill>
+                  <a:sysClr val="windowText" lastClr="000000"/>
+                </a:solidFill>
+              </a:endParaRPr>
+            </a:p>
+          </p:txBody>
+        </p:sp>
+        <p:cxnSp>
+          <p:nvCxnSpPr>
+            <p:cNvPr id="20" name="Straight Arrow Connector 19"/>
+            <p:cNvCxnSpPr>
+              <a:stCxn id="5" idx="2"/>
+              <a:endCxn id="19" idx="0"/>
+            </p:cNvCxnSpPr>
+            <p:nvPr/>
+          </p:nvCxnSpPr>
+          <p:spPr>
+            <a:xfrm>
+              <a:off x="3169363" y="357067"/>
+              <a:ext cx="0" cy="316788"/>
+            </a:xfrm>
+            <a:prstGeom prst="straightConnector1">
+              <a:avLst/>
+            </a:prstGeom>
+            <a:ln w="19050">
+              <a:solidFill>
+                <a:schemeClr val="tx1"/>
+              </a:solidFill>
+              <a:tailEnd type="arrow"/>
+            </a:ln>
+          </p:spPr>
+          <p:style>
+            <a:lnRef idx="1">
+              <a:schemeClr val="accent1"/>
+            </a:lnRef>
+            <a:fillRef idx="0">
+              <a:schemeClr val="accent1"/>
+            </a:fillRef>
+            <a:effectRef idx="0">
+              <a:schemeClr val="accent1"/>
+            </a:effectRef>
+            <a:fontRef idx="minor">
+              <a:schemeClr val="tx1"/>
+            </a:fontRef>
+          </p:style>
+        </p:cxnSp>
+        <p:sp>
+          <p:nvSpPr>
+            <p:cNvPr id="21" name="Flowchart: Decision 20"/>
+            <p:cNvSpPr/>
+            <p:nvPr/>
+          </p:nvSpPr>
+          <p:spPr>
+            <a:xfrm>
+              <a:off x="2216863" y="3928667"/>
+              <a:ext cx="1905000" cy="792479"/>
+            </a:xfrm>
+            <a:prstGeom prst="flowChartDecision">
+              <a:avLst/>
+            </a:prstGeom>
+            <a:solidFill>
+              <a:schemeClr val="bg1">
+                <a:lumMod val="95000"/>
+              </a:schemeClr>
+            </a:solidFill>
+            <a:ln>
+              <a:solidFill>
+                <a:schemeClr val="tx1"/>
+              </a:solidFill>
+            </a:ln>
+          </p:spPr>
+          <p:style>
+            <a:lnRef idx="2">
+              <a:schemeClr val="accent1">
+                <a:shade val="50000"/>
+              </a:schemeClr>
+            </a:lnRef>
+            <a:fillRef idx="1">
+              <a:schemeClr val="accent1"/>
+            </a:fillRef>
+            <a:effectRef idx="0">
+              <a:schemeClr val="accent1"/>
+            </a:effectRef>
+            <a:fontRef idx="minor">
+              <a:schemeClr val="lt1"/>
+            </a:fontRef>
+          </p:style>
+          <p:txBody>
+            <a:bodyPr rtlCol="0" anchor="ctr"/>
+            <a:lstStyle/>
+            <a:p>
+              <a:pPr algn="ctr"/>
+              <a:endParaRPr lang="en-NZ" dirty="0"/>
+            </a:p>
+          </p:txBody>
+        </p:sp>
+        <p:sp>
+          <p:nvSpPr>
+            <p:cNvPr id="23" name="TextBox 22"/>
+            <p:cNvSpPr txBox="1"/>
+            <p:nvPr/>
+          </p:nvSpPr>
+          <p:spPr>
+            <a:xfrm>
+              <a:off x="2339429" y="4140240"/>
+              <a:ext cx="1659878" cy="369332"/>
+            </a:xfrm>
+            <a:prstGeom prst="rect">
+              <a:avLst/>
+            </a:prstGeom>
+            <a:noFill/>
+          </p:spPr>
+          <p:txBody>
+            <a:bodyPr wrap="none" rtlCol="0">
+              <a:spAutoFit/>
+            </a:bodyPr>
+            <a:lstStyle/>
+            <a:p>
+              <a:pPr algn="ctr"/>
+              <a:r>
+                <a:rPr lang="en-NZ" dirty="0" smtClean="0"/>
+                <a:t>New landmark?</a:t>
+              </a:r>
+              <a:endParaRPr lang="en-NZ" dirty="0"/>
+            </a:p>
+          </p:txBody>
+        </p:sp>
+        <p:sp>
+          <p:nvSpPr>
+            <p:cNvPr id="26" name="TextBox 25"/>
+            <p:cNvSpPr txBox="1"/>
+            <p:nvPr/>
+          </p:nvSpPr>
+          <p:spPr>
+            <a:xfrm>
+              <a:off x="3880446" y="4351814"/>
+              <a:ext cx="508234" cy="369332"/>
+            </a:xfrm>
+            <a:prstGeom prst="rect">
+              <a:avLst/>
+            </a:prstGeom>
+            <a:noFill/>
+          </p:spPr>
+          <p:txBody>
+            <a:bodyPr wrap="square" rtlCol="0">
+              <a:spAutoFit/>
+            </a:bodyPr>
+            <a:lstStyle/>
+            <a:p>
+              <a:r>
+                <a:rPr lang="en-NZ" dirty="0" smtClean="0"/>
+                <a:t>No</a:t>
+              </a:r>
+              <a:endParaRPr lang="en-NZ" dirty="0"/>
+            </a:p>
+          </p:txBody>
+        </p:sp>
+        <p:cxnSp>
+          <p:nvCxnSpPr>
+            <p:cNvPr id="47" name="Elbow Connector 46"/>
+            <p:cNvCxnSpPr>
+              <a:stCxn id="21" idx="3"/>
+              <a:endCxn id="71" idx="2"/>
+            </p:cNvCxnSpPr>
+            <p:nvPr/>
+          </p:nvCxnSpPr>
+          <p:spPr>
+            <a:xfrm flipH="1">
+              <a:off x="3169363" y="4324907"/>
+              <a:ext cx="952500" cy="1505506"/>
+            </a:xfrm>
+            <a:prstGeom prst="bentConnector4">
+              <a:avLst>
+                <a:gd name="adj1" fmla="val -24000"/>
+                <a:gd name="adj2" fmla="val 115184"/>
+              </a:avLst>
+            </a:prstGeom>
+            <a:ln w="19050">
+              <a:solidFill>
+                <a:schemeClr val="tx1"/>
+              </a:solidFill>
+            </a:ln>
+          </p:spPr>
+          <p:style>
+            <a:lnRef idx="1">
+              <a:schemeClr val="accent1"/>
+            </a:lnRef>
+            <a:fillRef idx="0">
+              <a:schemeClr val="accent1"/>
+            </a:fillRef>
+            <a:effectRef idx="0">
+              <a:schemeClr val="accent1"/>
+            </a:effectRef>
+            <a:fontRef idx="minor">
+              <a:schemeClr val="tx1"/>
+            </a:fontRef>
+          </p:style>
+        </p:cxnSp>
+        <p:sp>
+          <p:nvSpPr>
+            <p:cNvPr id="55" name="Flowchart: Process 54"/>
+            <p:cNvSpPr/>
+            <p:nvPr/>
+          </p:nvSpPr>
+          <p:spPr>
+            <a:xfrm>
+              <a:off x="2216863" y="2226540"/>
+              <a:ext cx="1905000" cy="792479"/>
+            </a:xfrm>
+            <a:prstGeom prst="flowChartProcess">
+              <a:avLst/>
+            </a:prstGeom>
+            <a:solidFill>
+              <a:schemeClr val="bg1">
+                <a:lumMod val="95000"/>
+              </a:schemeClr>
+            </a:solidFill>
+            <a:ln>
+              <a:solidFill>
+                <a:schemeClr val="tx1"/>
+              </a:solidFill>
+            </a:ln>
+          </p:spPr>
+          <p:style>
+            <a:lnRef idx="2">
+              <a:schemeClr val="accent1">
+                <a:shade val="50000"/>
+              </a:schemeClr>
+            </a:lnRef>
+            <a:fillRef idx="1">
+              <a:schemeClr val="accent1"/>
+            </a:fillRef>
+            <a:effectRef idx="0">
+              <a:schemeClr val="accent1"/>
+            </a:effectRef>
+            <a:fontRef idx="minor">
+              <a:schemeClr val="lt1"/>
+            </a:fontRef>
+          </p:style>
+          <p:txBody>
+            <a:bodyPr rtlCol="0" anchor="ctr"/>
+            <a:lstStyle/>
+            <a:p>
+              <a:pPr algn="ctr"/>
+              <a:r>
+                <a:rPr lang="en-NZ" sz="2000" dirty="0" smtClean="0">
+                  <a:solidFill>
+                    <a:sysClr val="windowText" lastClr="000000"/>
+                  </a:solidFill>
+                </a:rPr>
+                <a:t>EKF Equations</a:t>
+              </a:r>
+              <a:endParaRPr lang="en-NZ" sz="2000" dirty="0">
+                <a:solidFill>
+                  <a:sysClr val="windowText" lastClr="000000"/>
+                </a:solidFill>
+              </a:endParaRPr>
+            </a:p>
+          </p:txBody>
+        </p:sp>
+        <p:cxnSp>
+          <p:nvCxnSpPr>
+            <p:cNvPr id="61" name="Straight Arrow Connector 60"/>
+            <p:cNvCxnSpPr>
+              <a:stCxn id="19" idx="2"/>
+              <a:endCxn id="55" idx="0"/>
+            </p:cNvCxnSpPr>
+            <p:nvPr/>
+          </p:nvCxnSpPr>
+          <p:spPr>
+            <a:xfrm>
+              <a:off x="3169363" y="1466334"/>
+              <a:ext cx="0" cy="760206"/>
+            </a:xfrm>
+            <a:prstGeom prst="straightConnector1">
+              <a:avLst/>
+            </a:prstGeom>
+            <a:ln w="19050">
+              <a:solidFill>
+                <a:schemeClr val="tx1"/>
+              </a:solidFill>
+              <a:tailEnd type="arrow"/>
+            </a:ln>
+          </p:spPr>
+          <p:style>
+            <a:lnRef idx="1">
+              <a:schemeClr val="accent1"/>
+            </a:lnRef>
+            <a:fillRef idx="0">
+              <a:schemeClr val="accent1"/>
+            </a:fillRef>
+            <a:effectRef idx="0">
+              <a:schemeClr val="accent1"/>
+            </a:effectRef>
+            <a:fontRef idx="minor">
+              <a:schemeClr val="tx1"/>
+            </a:fontRef>
+          </p:style>
+        </p:cxnSp>
+        <p:sp>
+          <p:nvSpPr>
+            <p:cNvPr id="65" name="Rectangle 64"/>
+            <p:cNvSpPr/>
+            <p:nvPr/>
+          </p:nvSpPr>
+          <p:spPr>
+            <a:xfrm>
+              <a:off x="1524000" y="2005056"/>
+              <a:ext cx="3124201" cy="1322173"/>
+            </a:xfrm>
+            <a:prstGeom prst="rect">
+              <a:avLst/>
+            </a:prstGeom>
+            <a:noFill/>
+            <a:ln>
+              <a:solidFill>
+                <a:schemeClr val="tx1"/>
+              </a:solidFill>
+              <a:prstDash val="dash"/>
+            </a:ln>
+          </p:spPr>
+          <p:style>
+            <a:lnRef idx="2">
+              <a:schemeClr val="accent1">
+                <a:shade val="50000"/>
+              </a:schemeClr>
+            </a:lnRef>
+            <a:fillRef idx="1">
+              <a:schemeClr val="accent1"/>
+            </a:fillRef>
+            <a:effectRef idx="0">
+              <a:schemeClr val="accent1"/>
+            </a:effectRef>
+            <a:fontRef idx="minor">
+              <a:schemeClr val="lt1"/>
+            </a:fontRef>
+          </p:style>
+          <p:txBody>
+            <a:bodyPr vert="vert270" rtlCol="0" anchor="t"/>
+            <a:lstStyle/>
+            <a:p>
+              <a:pPr algn="ctr"/>
+              <a:r>
+                <a:rPr lang="en-NZ" dirty="0" smtClean="0">
+                  <a:solidFill>
+                    <a:sysClr val="windowText" lastClr="000000"/>
+                  </a:solidFill>
+                </a:rPr>
+                <a:t>STATE CORRECT</a:t>
+              </a:r>
+              <a:endParaRPr lang="en-NZ" dirty="0">
+                <a:solidFill>
+                  <a:sysClr val="windowText" lastClr="000000"/>
+                </a:solidFill>
+              </a:endParaRPr>
+            </a:p>
+          </p:txBody>
+        </p:sp>
+        <p:cxnSp>
+          <p:nvCxnSpPr>
+            <p:cNvPr id="66" name="Straight Arrow Connector 65"/>
+            <p:cNvCxnSpPr>
+              <a:stCxn id="55" idx="2"/>
+              <a:endCxn id="21" idx="0"/>
+            </p:cNvCxnSpPr>
+            <p:nvPr/>
+          </p:nvCxnSpPr>
+          <p:spPr>
+            <a:xfrm>
+              <a:off x="3169363" y="3019019"/>
+              <a:ext cx="0" cy="909648"/>
+            </a:xfrm>
+            <a:prstGeom prst="straightConnector1">
+              <a:avLst/>
+            </a:prstGeom>
+            <a:ln w="19050">
+              <a:solidFill>
+                <a:schemeClr val="tx1"/>
+              </a:solidFill>
+              <a:tailEnd type="arrow"/>
+            </a:ln>
+          </p:spPr>
+          <p:style>
+            <a:lnRef idx="1">
+              <a:schemeClr val="accent1"/>
+            </a:lnRef>
+            <a:fillRef idx="0">
+              <a:schemeClr val="accent1"/>
+            </a:fillRef>
+            <a:effectRef idx="0">
+              <a:schemeClr val="accent1"/>
+            </a:effectRef>
+            <a:fontRef idx="minor">
+              <a:schemeClr val="tx1"/>
+            </a:fontRef>
+          </p:style>
+        </p:cxnSp>
+        <p:sp>
+          <p:nvSpPr>
+            <p:cNvPr id="70" name="Rectangle 69"/>
+            <p:cNvSpPr/>
+            <p:nvPr/>
+          </p:nvSpPr>
+          <p:spPr>
+            <a:xfrm>
+              <a:off x="1524000" y="3602079"/>
+              <a:ext cx="3124201" cy="2664888"/>
+            </a:xfrm>
+            <a:prstGeom prst="rect">
+              <a:avLst/>
+            </a:prstGeom>
+            <a:noFill/>
+            <a:ln>
+              <a:solidFill>
+                <a:schemeClr val="tx1"/>
+              </a:solidFill>
+              <a:prstDash val="dash"/>
+            </a:ln>
+          </p:spPr>
+          <p:style>
+            <a:lnRef idx="2">
+              <a:schemeClr val="accent1">
+                <a:shade val="50000"/>
+              </a:schemeClr>
+            </a:lnRef>
+            <a:fillRef idx="1">
+              <a:schemeClr val="accent1"/>
+            </a:fillRef>
+            <a:effectRef idx="0">
+              <a:schemeClr val="accent1"/>
+            </a:effectRef>
+            <a:fontRef idx="minor">
+              <a:schemeClr val="lt1"/>
+            </a:fontRef>
+          </p:style>
+          <p:txBody>
+            <a:bodyPr vert="vert270" rtlCol="0" anchor="t"/>
+            <a:lstStyle/>
+            <a:p>
+              <a:pPr algn="ctr"/>
+              <a:r>
+                <a:rPr lang="en-NZ" dirty="0" smtClean="0">
+                  <a:solidFill>
+                    <a:sysClr val="windowText" lastClr="000000"/>
+                  </a:solidFill>
+                </a:rPr>
+                <a:t>PLACE LANDMARKS</a:t>
+              </a:r>
+              <a:endParaRPr lang="en-NZ" dirty="0">
+                <a:solidFill>
+                  <a:sysClr val="windowText" lastClr="000000"/>
+                </a:solidFill>
+              </a:endParaRPr>
+            </a:p>
+          </p:txBody>
+        </p:sp>
+        <p:sp>
+          <p:nvSpPr>
+            <p:cNvPr id="71" name="Flowchart: Process 70"/>
+            <p:cNvSpPr/>
+            <p:nvPr/>
+          </p:nvSpPr>
+          <p:spPr>
+            <a:xfrm>
+              <a:off x="2216863" y="5037934"/>
+              <a:ext cx="1905000" cy="792479"/>
+            </a:xfrm>
+            <a:prstGeom prst="flowChartProcess">
+              <a:avLst/>
+            </a:prstGeom>
+            <a:solidFill>
+              <a:schemeClr val="bg1">
+                <a:lumMod val="95000"/>
+              </a:schemeClr>
+            </a:solidFill>
+            <a:ln>
+              <a:solidFill>
+                <a:schemeClr val="tx1"/>
+              </a:solidFill>
+            </a:ln>
+          </p:spPr>
+          <p:style>
+            <a:lnRef idx="2">
+              <a:schemeClr val="accent1">
+                <a:shade val="50000"/>
+              </a:schemeClr>
+            </a:lnRef>
+            <a:fillRef idx="1">
+              <a:schemeClr val="accent1"/>
+            </a:fillRef>
+            <a:effectRef idx="0">
+              <a:schemeClr val="accent1"/>
+            </a:effectRef>
+            <a:fontRef idx="minor">
+              <a:schemeClr val="lt1"/>
+            </a:fontRef>
+          </p:style>
+          <p:txBody>
+            <a:bodyPr rtlCol="0" anchor="ctr"/>
+            <a:lstStyle/>
+            <a:p>
+              <a:pPr algn="ctr"/>
+              <a:r>
+                <a:rPr lang="en-NZ" sz="2000" dirty="0" smtClean="0">
+                  <a:solidFill>
+                    <a:sysClr val="windowText" lastClr="000000"/>
+                  </a:solidFill>
+                </a:rPr>
+                <a:t>Place on Map</a:t>
+              </a:r>
+              <a:endParaRPr lang="en-NZ" sz="2000" dirty="0">
+                <a:solidFill>
+                  <a:sysClr val="windowText" lastClr="000000"/>
+                </a:solidFill>
+              </a:endParaRPr>
+            </a:p>
+          </p:txBody>
+        </p:sp>
+        <p:cxnSp>
+          <p:nvCxnSpPr>
+            <p:cNvPr id="72" name="Straight Arrow Connector 71"/>
+            <p:cNvCxnSpPr>
+              <a:stCxn id="21" idx="2"/>
+              <a:endCxn id="71" idx="0"/>
+            </p:cNvCxnSpPr>
+            <p:nvPr/>
+          </p:nvCxnSpPr>
+          <p:spPr>
+            <a:xfrm>
+              <a:off x="3169363" y="4721146"/>
+              <a:ext cx="0" cy="316788"/>
+            </a:xfrm>
+            <a:prstGeom prst="straightConnector1">
+              <a:avLst/>
+            </a:prstGeom>
+            <a:ln w="19050">
+              <a:solidFill>
+                <a:schemeClr val="tx1"/>
+              </a:solidFill>
+              <a:tailEnd type="arrow"/>
+            </a:ln>
+          </p:spPr>
+          <p:style>
+            <a:lnRef idx="1">
+              <a:schemeClr val="accent1"/>
+            </a:lnRef>
+            <a:fillRef idx="0">
+              <a:schemeClr val="accent1"/>
+            </a:fillRef>
+            <a:effectRef idx="0">
+              <a:schemeClr val="accent1"/>
+            </a:effectRef>
+            <a:fontRef idx="minor">
+              <a:schemeClr val="tx1"/>
+            </a:fontRef>
+          </p:style>
+        </p:cxnSp>
+        <p:sp>
+          <p:nvSpPr>
+            <p:cNvPr id="74" name="Down Arrow 73"/>
+            <p:cNvSpPr/>
+            <p:nvPr/>
+          </p:nvSpPr>
+          <p:spPr>
+            <a:xfrm>
+              <a:off x="2927047" y="-1423964"/>
+              <a:ext cx="484632" cy="978408"/>
+            </a:xfrm>
+            <a:prstGeom prst="downArrow">
+              <a:avLst/>
+            </a:prstGeom>
+            <a:solidFill>
+              <a:schemeClr val="bg1">
+                <a:lumMod val="95000"/>
+              </a:schemeClr>
+            </a:solidFill>
+            <a:ln>
+              <a:solidFill>
+                <a:schemeClr val="tx1"/>
+              </a:solidFill>
+            </a:ln>
+          </p:spPr>
+          <p:style>
+            <a:lnRef idx="2">
+              <a:schemeClr val="accent1">
+                <a:shade val="50000"/>
+              </a:schemeClr>
+            </a:lnRef>
+            <a:fillRef idx="1">
+              <a:schemeClr val="accent1"/>
+            </a:fillRef>
+            <a:effectRef idx="0">
+              <a:schemeClr val="accent1"/>
+            </a:effectRef>
+            <a:fontRef idx="minor">
+              <a:schemeClr val="lt1"/>
+            </a:fontRef>
+          </p:style>
+          <p:txBody>
+            <a:bodyPr rtlCol="0" anchor="ctr"/>
+            <a:lstStyle/>
+            <a:p>
+              <a:pPr algn="ctr"/>
+              <a:endParaRPr lang="en-NZ"/>
+            </a:p>
+          </p:txBody>
+        </p:sp>
+        <p:sp>
+          <p:nvSpPr>
+            <p:cNvPr id="75" name="TextBox 74"/>
+            <p:cNvSpPr txBox="1"/>
+            <p:nvPr/>
+          </p:nvSpPr>
+          <p:spPr>
+            <a:xfrm>
+              <a:off x="2853218" y="-1793296"/>
+              <a:ext cx="632289" cy="369332"/>
+            </a:xfrm>
+            <a:prstGeom prst="rect">
+              <a:avLst/>
+            </a:prstGeom>
+            <a:noFill/>
+          </p:spPr>
+          <p:txBody>
+            <a:bodyPr wrap="none" rtlCol="0">
+              <a:spAutoFit/>
+            </a:bodyPr>
+            <a:lstStyle/>
+            <a:p>
+              <a:pPr algn="ctr"/>
+              <a:r>
+                <a:rPr lang="en-NZ" dirty="0" smtClean="0"/>
+                <a:t>Start</a:t>
+              </a:r>
+              <a:endParaRPr lang="en-NZ" dirty="0"/>
+            </a:p>
+          </p:txBody>
+        </p:sp>
+      </p:grpSp>
+    </p:spTree>
+    <p:extLst>
+      <p:ext uri="{BB962C8B-B14F-4D97-AF65-F5344CB8AC3E}">
+        <p14:creationId xmlns:p14="http://schemas.microsoft.com/office/powerpoint/2010/main" val="611051175"/>
+      </p:ext>
+    </p:extLst>
+  </p:cSld>
+  <p:clrMapOvr>
+    <a:masterClrMapping/>
+  </p:clrMapOvr>
+</p:sld>
+</file>
+
+<file path=ppt/slides/slide6.xml><?xml version="1.0" encoding="utf-8"?>
+<p:sld xmlns:a="http://schemas.openxmlformats.org/drawingml/2006/main" xmlns:r="http://schemas.openxmlformats.org/officeDocument/2006/relationships" xmlns:p="http://schemas.openxmlformats.org/presentationml/2006/main">
+  <p:cSld>
+    <p:spTree>
+      <p:nvGrpSpPr>
+        <p:cNvPr id="1" name=""/>
+        <p:cNvGrpSpPr/>
+        <p:nvPr/>
+      </p:nvGrpSpPr>
+      <p:grpSpPr>
+        <a:xfrm>
+          <a:off x="0" y="0"/>
+          <a:ext cx="0" cy="0"/>
+          <a:chOff x="0" y="0"/>
+          <a:chExt cx="0" cy="0"/>
+        </a:xfrm>
+      </p:grpSpPr>
+      <p:grpSp>
+        <p:nvGrpSpPr>
+          <p:cNvPr id="114" name="Group 113"/>
+          <p:cNvGrpSpPr/>
+          <p:nvPr/>
+        </p:nvGrpSpPr>
+        <p:grpSpPr>
+          <a:xfrm>
+            <a:off x="-152401" y="-1009080"/>
+            <a:ext cx="10632604" cy="7943280"/>
+            <a:chOff x="-152401" y="-1009080"/>
+            <a:chExt cx="10632604" cy="7943280"/>
+          </a:xfrm>
+        </p:grpSpPr>
+        <p:sp>
+          <p:nvSpPr>
+            <p:cNvPr id="70" name="Flowchart: Decision 69"/>
+            <p:cNvSpPr/>
+            <p:nvPr/>
+          </p:nvSpPr>
+          <p:spPr>
+            <a:xfrm>
+              <a:off x="322472" y="2941297"/>
+              <a:ext cx="1905000" cy="792479"/>
+            </a:xfrm>
+            <a:prstGeom prst="flowChartDecision">
+              <a:avLst/>
+            </a:prstGeom>
+            <a:solidFill>
+              <a:schemeClr val="bg1">
+                <a:lumMod val="95000"/>
+              </a:schemeClr>
+            </a:solidFill>
+            <a:ln>
+              <a:solidFill>
+                <a:schemeClr val="tx1"/>
+              </a:solidFill>
+            </a:ln>
+          </p:spPr>
+          <p:style>
+            <a:lnRef idx="2">
+              <a:schemeClr val="accent1">
+                <a:shade val="50000"/>
+              </a:schemeClr>
+            </a:lnRef>
+            <a:fillRef idx="1">
+              <a:schemeClr val="accent1"/>
+            </a:fillRef>
+            <a:effectRef idx="0">
+              <a:schemeClr val="accent1"/>
+            </a:effectRef>
+            <a:fontRef idx="minor">
+              <a:schemeClr val="lt1"/>
+            </a:fontRef>
+          </p:style>
+          <p:txBody>
+            <a:bodyPr rtlCol="0" anchor="ctr"/>
+            <a:lstStyle/>
+            <a:p>
+              <a:pPr algn="ctr"/>
+              <a:endParaRPr lang="en-NZ" dirty="0"/>
+            </a:p>
+          </p:txBody>
+        </p:sp>
+        <p:sp>
+          <p:nvSpPr>
+            <p:cNvPr id="65" name="Flowchart: Decision 64"/>
+            <p:cNvSpPr/>
+            <p:nvPr/>
+          </p:nvSpPr>
+          <p:spPr>
+            <a:xfrm>
+              <a:off x="322472" y="4005804"/>
+              <a:ext cx="1905000" cy="792479"/>
+            </a:xfrm>
+            <a:prstGeom prst="flowChartDecision">
+              <a:avLst/>
+            </a:prstGeom>
+            <a:solidFill>
+              <a:schemeClr val="bg1">
+                <a:lumMod val="95000"/>
+              </a:schemeClr>
+            </a:solidFill>
+            <a:ln>
+              <a:solidFill>
+                <a:schemeClr val="tx1"/>
+              </a:solidFill>
+            </a:ln>
+          </p:spPr>
+          <p:style>
+            <a:lnRef idx="2">
+              <a:schemeClr val="accent1">
+                <a:shade val="50000"/>
+              </a:schemeClr>
+            </a:lnRef>
+            <a:fillRef idx="1">
+              <a:schemeClr val="accent1"/>
+            </a:fillRef>
+            <a:effectRef idx="0">
+              <a:schemeClr val="accent1"/>
+            </a:effectRef>
+            <a:fontRef idx="minor">
+              <a:schemeClr val="lt1"/>
+            </a:fontRef>
+          </p:style>
+          <p:txBody>
+            <a:bodyPr rtlCol="0" anchor="ctr"/>
+            <a:lstStyle/>
+            <a:p>
+              <a:pPr algn="ctr"/>
+              <a:endParaRPr lang="en-NZ" dirty="0"/>
+            </a:p>
+          </p:txBody>
+        </p:sp>
+        <p:sp>
+          <p:nvSpPr>
+            <p:cNvPr id="66" name="Flowchart: Process 65"/>
+            <p:cNvSpPr/>
+            <p:nvPr/>
+          </p:nvSpPr>
+          <p:spPr>
+            <a:xfrm>
+              <a:off x="322472" y="1797922"/>
+              <a:ext cx="1905000" cy="792479"/>
+            </a:xfrm>
+            <a:prstGeom prst="flowChartProcess">
+              <a:avLst/>
+            </a:prstGeom>
+            <a:solidFill>
+              <a:schemeClr val="bg1">
+                <a:lumMod val="95000"/>
+              </a:schemeClr>
+            </a:solidFill>
+            <a:ln>
+              <a:solidFill>
+                <a:schemeClr val="tx1"/>
+              </a:solidFill>
+            </a:ln>
+          </p:spPr>
+          <p:style>
+            <a:lnRef idx="2">
+              <a:schemeClr val="accent1">
+                <a:shade val="50000"/>
+              </a:schemeClr>
+            </a:lnRef>
+            <a:fillRef idx="1">
+              <a:schemeClr val="accent1"/>
+            </a:fillRef>
+            <a:effectRef idx="0">
+              <a:schemeClr val="accent1"/>
+            </a:effectRef>
+            <a:fontRef idx="minor">
+              <a:schemeClr val="lt1"/>
+            </a:fontRef>
+          </p:style>
+          <p:txBody>
+            <a:bodyPr rtlCol="0" anchor="ctr"/>
+            <a:lstStyle/>
+            <a:p>
+              <a:pPr algn="ctr"/>
+              <a:r>
+                <a:rPr lang="en-NZ" sz="2000" dirty="0" smtClean="0">
+                  <a:solidFill>
+                    <a:sysClr val="windowText" lastClr="000000"/>
+                  </a:solidFill>
+                </a:rPr>
+                <a:t>Avoid walls</a:t>
+              </a:r>
+              <a:endParaRPr lang="en-NZ" sz="2000" dirty="0">
+                <a:solidFill>
+                  <a:sysClr val="windowText" lastClr="000000"/>
+                </a:solidFill>
+              </a:endParaRPr>
+            </a:p>
+          </p:txBody>
+        </p:sp>
+        <p:sp>
+          <p:nvSpPr>
+            <p:cNvPr id="5" name="Flowchart: Decision 4"/>
+            <p:cNvSpPr/>
+            <p:nvPr/>
+          </p:nvSpPr>
+          <p:spPr>
+            <a:xfrm>
+              <a:off x="4398890" y="3296294"/>
+              <a:ext cx="1905000" cy="792479"/>
+            </a:xfrm>
+            <a:prstGeom prst="flowChartDecision">
+              <a:avLst/>
+            </a:prstGeom>
+            <a:solidFill>
+              <a:schemeClr val="bg1">
+                <a:lumMod val="95000"/>
+              </a:schemeClr>
+            </a:solidFill>
+            <a:ln>
+              <a:solidFill>
+                <a:schemeClr val="tx1"/>
+              </a:solidFill>
+            </a:ln>
+          </p:spPr>
+          <p:style>
+            <a:lnRef idx="2">
+              <a:schemeClr val="accent1">
+                <a:shade val="50000"/>
+              </a:schemeClr>
+            </a:lnRef>
+            <a:fillRef idx="1">
+              <a:schemeClr val="accent1"/>
+            </a:fillRef>
+            <a:effectRef idx="0">
+              <a:schemeClr val="accent1"/>
+            </a:effectRef>
+            <a:fontRef idx="minor">
+              <a:schemeClr val="lt1"/>
+            </a:fontRef>
+          </p:style>
+          <p:txBody>
+            <a:bodyPr rtlCol="0" anchor="ctr"/>
+            <a:lstStyle/>
+            <a:p>
+              <a:pPr algn="ctr"/>
+              <a:endParaRPr lang="en-NZ" dirty="0"/>
+            </a:p>
+          </p:txBody>
+        </p:sp>
+        <p:sp>
+          <p:nvSpPr>
+            <p:cNvPr id="7" name="Flowchart: Process 6"/>
+            <p:cNvSpPr/>
+            <p:nvPr/>
+          </p:nvSpPr>
+          <p:spPr>
+            <a:xfrm>
+              <a:off x="4398890" y="2214860"/>
+              <a:ext cx="1905000" cy="792479"/>
+            </a:xfrm>
+            <a:prstGeom prst="flowChartProcess">
+              <a:avLst/>
+            </a:prstGeom>
+            <a:solidFill>
+              <a:schemeClr val="bg1">
+                <a:lumMod val="95000"/>
+              </a:schemeClr>
+            </a:solidFill>
+            <a:ln>
+              <a:solidFill>
+                <a:schemeClr val="tx1"/>
+              </a:solidFill>
+            </a:ln>
+          </p:spPr>
+          <p:style>
+            <a:lnRef idx="2">
+              <a:schemeClr val="accent1">
+                <a:shade val="50000"/>
+              </a:schemeClr>
+            </a:lnRef>
+            <a:fillRef idx="1">
+              <a:schemeClr val="accent1"/>
+            </a:fillRef>
+            <a:effectRef idx="0">
+              <a:schemeClr val="accent1"/>
+            </a:effectRef>
+            <a:fontRef idx="minor">
+              <a:schemeClr val="lt1"/>
+            </a:fontRef>
+          </p:style>
+          <p:txBody>
+            <a:bodyPr rtlCol="0" anchor="ctr"/>
+            <a:lstStyle/>
+            <a:p>
+              <a:pPr algn="ctr"/>
+              <a:r>
+                <a:rPr lang="en-NZ" sz="2000" dirty="0" smtClean="0">
+                  <a:solidFill>
+                    <a:sysClr val="windowText" lastClr="000000"/>
+                  </a:solidFill>
+                </a:rPr>
+                <a:t>Choose Local Point</a:t>
+              </a:r>
+              <a:endParaRPr lang="en-NZ" sz="2000" dirty="0">
+                <a:solidFill>
+                  <a:sysClr val="windowText" lastClr="000000"/>
+                </a:solidFill>
+              </a:endParaRPr>
+            </a:p>
+          </p:txBody>
+        </p:sp>
+        <p:sp>
+          <p:nvSpPr>
+            <p:cNvPr id="8" name="TextBox 7"/>
+            <p:cNvSpPr txBox="1"/>
+            <p:nvPr/>
+          </p:nvSpPr>
+          <p:spPr>
+            <a:xfrm>
+              <a:off x="6192293" y="5198852"/>
+              <a:ext cx="1129419" cy="646331"/>
+            </a:xfrm>
+            <a:prstGeom prst="rect">
+              <a:avLst/>
+            </a:prstGeom>
+            <a:noFill/>
+          </p:spPr>
+          <p:txBody>
+            <a:bodyPr wrap="square" rtlCol="0">
+              <a:spAutoFit/>
+            </a:bodyPr>
+            <a:lstStyle/>
+            <a:p>
+              <a:r>
+                <a:rPr lang="en-NZ" dirty="0" smtClean="0"/>
+                <a:t>Collected</a:t>
+              </a:r>
+            </a:p>
+            <a:p>
+              <a:r>
+                <a:rPr lang="en-NZ" dirty="0" smtClean="0"/>
+                <a:t>&amp; =</a:t>
+              </a:r>
+              <a:r>
+                <a:rPr lang="en-NZ" dirty="0" smtClean="0"/>
+                <a:t>3</a:t>
+              </a:r>
+              <a:endParaRPr lang="en-NZ" dirty="0"/>
+            </a:p>
+          </p:txBody>
+        </p:sp>
+        <p:sp>
+          <p:nvSpPr>
+            <p:cNvPr id="10" name="Down Arrow 9"/>
+            <p:cNvSpPr/>
+            <p:nvPr/>
+          </p:nvSpPr>
+          <p:spPr>
+            <a:xfrm>
+              <a:off x="1039012" y="-639748"/>
+              <a:ext cx="484632" cy="978408"/>
+            </a:xfrm>
+            <a:prstGeom prst="downArrow">
+              <a:avLst/>
+            </a:prstGeom>
+            <a:solidFill>
+              <a:schemeClr val="bg1">
+                <a:lumMod val="95000"/>
+              </a:schemeClr>
+            </a:solidFill>
+            <a:ln>
+              <a:solidFill>
+                <a:schemeClr val="tx1"/>
+              </a:solidFill>
+            </a:ln>
+          </p:spPr>
+          <p:style>
+            <a:lnRef idx="2">
+              <a:schemeClr val="accent1">
+                <a:shade val="50000"/>
+              </a:schemeClr>
+            </a:lnRef>
+            <a:fillRef idx="1">
+              <a:schemeClr val="accent1"/>
+            </a:fillRef>
+            <a:effectRef idx="0">
+              <a:schemeClr val="accent1"/>
+            </a:effectRef>
+            <a:fontRef idx="minor">
+              <a:schemeClr val="lt1"/>
+            </a:fontRef>
+          </p:style>
+          <p:txBody>
+            <a:bodyPr rtlCol="0" anchor="ctr"/>
+            <a:lstStyle/>
+            <a:p>
+              <a:pPr algn="ctr"/>
+              <a:endParaRPr lang="en-NZ"/>
+            </a:p>
+          </p:txBody>
+        </p:sp>
+        <p:sp>
+          <p:nvSpPr>
+            <p:cNvPr id="11" name="TextBox 10"/>
+            <p:cNvSpPr txBox="1"/>
+            <p:nvPr/>
+          </p:nvSpPr>
+          <p:spPr>
+            <a:xfrm>
+              <a:off x="965183" y="-1009080"/>
+              <a:ext cx="632289" cy="369332"/>
+            </a:xfrm>
+            <a:prstGeom prst="rect">
+              <a:avLst/>
+            </a:prstGeom>
+            <a:noFill/>
+          </p:spPr>
+          <p:txBody>
+            <a:bodyPr wrap="none" rtlCol="0">
+              <a:spAutoFit/>
+            </a:bodyPr>
+            <a:lstStyle/>
+            <a:p>
+              <a:pPr algn="ctr"/>
+              <a:r>
+                <a:rPr lang="en-NZ" dirty="0" smtClean="0"/>
+                <a:t>Start</a:t>
+              </a:r>
+              <a:endParaRPr lang="en-NZ" dirty="0"/>
+            </a:p>
+          </p:txBody>
+        </p:sp>
+        <p:sp>
+          <p:nvSpPr>
+            <p:cNvPr id="13" name="TextBox 12"/>
+            <p:cNvSpPr txBox="1"/>
+            <p:nvPr/>
+          </p:nvSpPr>
+          <p:spPr>
+            <a:xfrm>
+              <a:off x="4651391" y="3490841"/>
+              <a:ext cx="1400000" cy="369332"/>
+            </a:xfrm>
+            <a:prstGeom prst="rect">
+              <a:avLst/>
+            </a:prstGeom>
+            <a:noFill/>
+          </p:spPr>
+          <p:txBody>
+            <a:bodyPr wrap="none" rtlCol="0">
+              <a:spAutoFit/>
+            </a:bodyPr>
+            <a:lstStyle/>
+            <a:p>
+              <a:pPr algn="ctr"/>
+              <a:r>
+                <a:rPr lang="en-NZ" dirty="0" smtClean="0"/>
+                <a:t>Follow point </a:t>
+              </a:r>
+              <a:endParaRPr lang="en-NZ" dirty="0"/>
+            </a:p>
+          </p:txBody>
+        </p:sp>
+        <p:cxnSp>
+          <p:nvCxnSpPr>
+            <p:cNvPr id="14" name="Elbow Connector 13"/>
+            <p:cNvCxnSpPr>
+              <a:stCxn id="70" idx="3"/>
+              <a:endCxn id="38" idx="0"/>
+            </p:cNvCxnSpPr>
+            <p:nvPr/>
+          </p:nvCxnSpPr>
+          <p:spPr>
+            <a:xfrm flipV="1">
+              <a:off x="2227472" y="2186918"/>
+              <a:ext cx="6900807" cy="1150619"/>
+            </a:xfrm>
+            <a:prstGeom prst="bentConnector4">
+              <a:avLst>
+                <a:gd name="adj1" fmla="val 5030"/>
+                <a:gd name="adj2" fmla="val 136267"/>
+              </a:avLst>
+            </a:prstGeom>
+            <a:ln w="19050">
+              <a:solidFill>
+                <a:schemeClr val="tx1"/>
+              </a:solidFill>
+              <a:tailEnd type="arrow"/>
+            </a:ln>
+          </p:spPr>
+          <p:style>
+            <a:lnRef idx="1">
+              <a:schemeClr val="accent1"/>
+            </a:lnRef>
+            <a:fillRef idx="0">
+              <a:schemeClr val="accent1"/>
+            </a:fillRef>
+            <a:effectRef idx="0">
+              <a:schemeClr val="accent1"/>
+            </a:effectRef>
+            <a:fontRef idx="minor">
+              <a:schemeClr val="tx1"/>
+            </a:fontRef>
+          </p:style>
+        </p:cxnSp>
+        <p:cxnSp>
+          <p:nvCxnSpPr>
+            <p:cNvPr id="16" name="Straight Arrow Connector 15"/>
+            <p:cNvCxnSpPr>
+              <a:stCxn id="5" idx="2"/>
+              <a:endCxn id="28" idx="0"/>
+            </p:cNvCxnSpPr>
+            <p:nvPr/>
+          </p:nvCxnSpPr>
+          <p:spPr>
+            <a:xfrm>
+              <a:off x="5351390" y="4088773"/>
+              <a:ext cx="1" cy="304800"/>
+            </a:xfrm>
+            <a:prstGeom prst="straightConnector1">
+              <a:avLst/>
+            </a:prstGeom>
+            <a:ln w="19050">
+              <a:solidFill>
+                <a:schemeClr val="tx1"/>
+              </a:solidFill>
+              <a:tailEnd type="arrow"/>
+            </a:ln>
+          </p:spPr>
+          <p:style>
+            <a:lnRef idx="1">
+              <a:schemeClr val="accent1"/>
+            </a:lnRef>
+            <a:fillRef idx="0">
+              <a:schemeClr val="accent1"/>
+            </a:fillRef>
+            <a:effectRef idx="0">
+              <a:schemeClr val="accent1"/>
+            </a:effectRef>
+            <a:fontRef idx="minor">
+              <a:schemeClr val="tx1"/>
+            </a:fontRef>
+          </p:style>
+        </p:cxnSp>
+        <p:sp>
+          <p:nvSpPr>
+            <p:cNvPr id="17" name="TextBox 16"/>
+            <p:cNvSpPr txBox="1"/>
+            <p:nvPr/>
+          </p:nvSpPr>
+          <p:spPr>
+            <a:xfrm>
+              <a:off x="5411992" y="4018673"/>
+              <a:ext cx="688009" cy="369332"/>
+            </a:xfrm>
+            <a:prstGeom prst="rect">
+              <a:avLst/>
+            </a:prstGeom>
+            <a:noFill/>
+          </p:spPr>
+          <p:txBody>
+            <a:bodyPr wrap="none" rtlCol="0">
+              <a:spAutoFit/>
+            </a:bodyPr>
+            <a:lstStyle/>
+            <a:p>
+              <a:r>
+                <a:rPr lang="en-NZ" dirty="0" smtClean="0"/>
+                <a:t>Close</a:t>
+              </a:r>
+              <a:endParaRPr lang="en-NZ" dirty="0"/>
+            </a:p>
+          </p:txBody>
+        </p:sp>
+        <p:sp>
+          <p:nvSpPr>
+            <p:cNvPr id="18" name="Flowchart: Process 17"/>
+            <p:cNvSpPr/>
+            <p:nvPr/>
+          </p:nvSpPr>
+          <p:spPr>
+            <a:xfrm>
+              <a:off x="328828" y="369639"/>
+              <a:ext cx="1905000" cy="792479"/>
+            </a:xfrm>
+            <a:prstGeom prst="flowChartProcess">
+              <a:avLst/>
+            </a:prstGeom>
+            <a:solidFill>
+              <a:schemeClr val="bg1">
+                <a:lumMod val="95000"/>
+              </a:schemeClr>
+            </a:solidFill>
+            <a:ln>
+              <a:solidFill>
+                <a:schemeClr val="tx1"/>
+              </a:solidFill>
+            </a:ln>
+          </p:spPr>
+          <p:style>
+            <a:lnRef idx="2">
+              <a:schemeClr val="accent1">
+                <a:shade val="50000"/>
+              </a:schemeClr>
+            </a:lnRef>
+            <a:fillRef idx="1">
+              <a:schemeClr val="accent1"/>
+            </a:fillRef>
+            <a:effectRef idx="0">
+              <a:schemeClr val="accent1"/>
+            </a:effectRef>
+            <a:fontRef idx="minor">
+              <a:schemeClr val="lt1"/>
+            </a:fontRef>
+          </p:style>
+          <p:txBody>
+            <a:bodyPr rtlCol="0" anchor="ctr"/>
+            <a:lstStyle/>
+            <a:p>
+              <a:pPr algn="ctr"/>
+              <a:r>
+                <a:rPr lang="en-NZ" sz="2000" dirty="0" smtClean="0">
+                  <a:solidFill>
+                    <a:sysClr val="windowText" lastClr="000000"/>
+                  </a:solidFill>
+                </a:rPr>
+                <a:t>Initialize</a:t>
+              </a:r>
+              <a:endParaRPr lang="en-NZ" sz="2000" dirty="0">
+                <a:solidFill>
+                  <a:sysClr val="windowText" lastClr="000000"/>
+                </a:solidFill>
+              </a:endParaRPr>
+            </a:p>
+          </p:txBody>
+        </p:sp>
+        <p:sp>
+          <p:nvSpPr>
+            <p:cNvPr id="19" name="Rectangle 18"/>
+            <p:cNvSpPr/>
+            <p:nvPr/>
+          </p:nvSpPr>
+          <p:spPr>
+            <a:xfrm>
+              <a:off x="-152401" y="1378449"/>
+              <a:ext cx="3282749" cy="4101749"/>
+            </a:xfrm>
+            <a:prstGeom prst="rect">
+              <a:avLst/>
+            </a:prstGeom>
+            <a:noFill/>
+            <a:ln>
+              <a:solidFill>
+                <a:schemeClr val="tx1"/>
+              </a:solidFill>
+              <a:prstDash val="dash"/>
+            </a:ln>
+          </p:spPr>
+          <p:style>
+            <a:lnRef idx="2">
+              <a:schemeClr val="accent1">
+                <a:shade val="50000"/>
+              </a:schemeClr>
+            </a:lnRef>
+            <a:fillRef idx="1">
+              <a:schemeClr val="accent1"/>
+            </a:fillRef>
+            <a:effectRef idx="0">
+              <a:schemeClr val="accent1"/>
+            </a:effectRef>
+            <a:fontRef idx="minor">
+              <a:schemeClr val="lt1"/>
+            </a:fontRef>
+          </p:style>
+          <p:txBody>
+            <a:bodyPr vert="horz" rtlCol="0" anchor="t"/>
+            <a:lstStyle/>
+            <a:p>
+              <a:r>
+                <a:rPr lang="en-NZ" dirty="0" smtClean="0">
+                  <a:solidFill>
+                    <a:sysClr val="windowText" lastClr="000000"/>
+                  </a:solidFill>
+                </a:rPr>
+                <a:t>SEARCHING</a:t>
+              </a:r>
+              <a:endParaRPr lang="en-NZ" dirty="0">
+                <a:solidFill>
+                  <a:sysClr val="windowText" lastClr="000000"/>
+                </a:solidFill>
+              </a:endParaRPr>
+            </a:p>
+          </p:txBody>
+        </p:sp>
+        <p:sp>
+          <p:nvSpPr>
+            <p:cNvPr id="24" name="TextBox 23"/>
+            <p:cNvSpPr txBox="1"/>
+            <p:nvPr/>
+          </p:nvSpPr>
+          <p:spPr>
+            <a:xfrm>
+              <a:off x="413951" y="4211358"/>
+              <a:ext cx="1698478" cy="369332"/>
+            </a:xfrm>
+            <a:prstGeom prst="rect">
+              <a:avLst/>
+            </a:prstGeom>
+            <a:noFill/>
+          </p:spPr>
+          <p:txBody>
+            <a:bodyPr wrap="none" rtlCol="0">
+              <a:spAutoFit/>
+            </a:bodyPr>
+            <a:lstStyle/>
+            <a:p>
+              <a:pPr algn="ctr"/>
+              <a:r>
+                <a:rPr lang="en-NZ" dirty="0" smtClean="0"/>
+                <a:t>Found package?</a:t>
+              </a:r>
+              <a:endParaRPr lang="en-NZ" dirty="0"/>
+            </a:p>
+          </p:txBody>
+        </p:sp>
+        <p:cxnSp>
+          <p:nvCxnSpPr>
+            <p:cNvPr id="25" name="Straight Arrow Connector 24"/>
+            <p:cNvCxnSpPr>
+              <a:stCxn id="18" idx="2"/>
+              <a:endCxn id="66" idx="0"/>
+            </p:cNvCxnSpPr>
+            <p:nvPr/>
+          </p:nvCxnSpPr>
+          <p:spPr>
+            <a:xfrm flipH="1">
+              <a:off x="1274972" y="1162118"/>
+              <a:ext cx="6356" cy="635804"/>
+            </a:xfrm>
+            <a:prstGeom prst="straightConnector1">
+              <a:avLst/>
+            </a:prstGeom>
+            <a:ln w="19050">
+              <a:solidFill>
+                <a:schemeClr val="tx1"/>
+              </a:solidFill>
+              <a:tailEnd type="arrow"/>
+            </a:ln>
+          </p:spPr>
+          <p:style>
+            <a:lnRef idx="1">
+              <a:schemeClr val="accent1"/>
+            </a:lnRef>
+            <a:fillRef idx="0">
+              <a:schemeClr val="accent1"/>
+            </a:fillRef>
+            <a:effectRef idx="0">
+              <a:schemeClr val="accent1"/>
+            </a:effectRef>
+            <a:fontRef idx="minor">
+              <a:schemeClr val="tx1"/>
+            </a:fontRef>
+          </p:style>
+        </p:cxnSp>
+        <p:cxnSp>
+          <p:nvCxnSpPr>
+            <p:cNvPr id="26" name="Straight Arrow Connector 25"/>
+            <p:cNvCxnSpPr>
+              <a:stCxn id="7" idx="2"/>
+              <a:endCxn id="5" idx="0"/>
+            </p:cNvCxnSpPr>
+            <p:nvPr/>
+          </p:nvCxnSpPr>
+          <p:spPr>
+            <a:xfrm>
+              <a:off x="5351390" y="3007339"/>
+              <a:ext cx="0" cy="288955"/>
+            </a:xfrm>
+            <a:prstGeom prst="straightConnector1">
+              <a:avLst/>
+            </a:prstGeom>
+            <a:ln w="19050">
+              <a:solidFill>
+                <a:schemeClr val="tx1"/>
+              </a:solidFill>
+              <a:tailEnd type="arrow"/>
+            </a:ln>
+          </p:spPr>
+          <p:style>
+            <a:lnRef idx="1">
+              <a:schemeClr val="accent1"/>
+            </a:lnRef>
+            <a:fillRef idx="0">
+              <a:schemeClr val="accent1"/>
+            </a:fillRef>
+            <a:effectRef idx="0">
+              <a:schemeClr val="accent1"/>
+            </a:effectRef>
+            <a:fontRef idx="minor">
+              <a:schemeClr val="tx1"/>
+            </a:fontRef>
+          </p:style>
+        </p:cxnSp>
+        <p:sp>
+          <p:nvSpPr>
+            <p:cNvPr id="27" name="TextBox 26"/>
+            <p:cNvSpPr txBox="1"/>
+            <p:nvPr/>
+          </p:nvSpPr>
+          <p:spPr>
+            <a:xfrm>
+              <a:off x="2112429" y="4442573"/>
+              <a:ext cx="1008514" cy="369332"/>
+            </a:xfrm>
+            <a:prstGeom prst="rect">
+              <a:avLst/>
+            </a:prstGeom>
+            <a:noFill/>
+          </p:spPr>
+          <p:txBody>
+            <a:bodyPr wrap="square" rtlCol="0">
+              <a:spAutoFit/>
+            </a:bodyPr>
+            <a:lstStyle/>
+            <a:p>
+              <a:r>
+                <a:rPr lang="en-NZ" dirty="0" smtClean="0"/>
+                <a:t>Yes</a:t>
+              </a:r>
+              <a:endParaRPr lang="en-NZ" dirty="0" smtClean="0"/>
+            </a:p>
+          </p:txBody>
+        </p:sp>
+        <p:sp>
+          <p:nvSpPr>
+            <p:cNvPr id="28" name="Flowchart: Process 27"/>
+            <p:cNvSpPr/>
+            <p:nvPr/>
+          </p:nvSpPr>
+          <p:spPr>
+            <a:xfrm>
+              <a:off x="4398891" y="4393573"/>
+              <a:ext cx="1905000" cy="792479"/>
+            </a:xfrm>
+            <a:prstGeom prst="flowChartProcess">
+              <a:avLst/>
+            </a:prstGeom>
+            <a:solidFill>
+              <a:schemeClr val="bg1">
+                <a:lumMod val="95000"/>
+              </a:schemeClr>
+            </a:solidFill>
+            <a:ln>
+              <a:solidFill>
+                <a:schemeClr val="tx1"/>
+              </a:solidFill>
+            </a:ln>
+          </p:spPr>
+          <p:style>
+            <a:lnRef idx="2">
+              <a:schemeClr val="accent1">
+                <a:shade val="50000"/>
+              </a:schemeClr>
+            </a:lnRef>
+            <a:fillRef idx="1">
+              <a:schemeClr val="accent1"/>
+            </a:fillRef>
+            <a:effectRef idx="0">
+              <a:schemeClr val="accent1"/>
+            </a:effectRef>
+            <a:fontRef idx="minor">
+              <a:schemeClr val="lt1"/>
+            </a:fontRef>
+          </p:style>
+          <p:txBody>
+            <a:bodyPr rtlCol="0" anchor="ctr"/>
+            <a:lstStyle/>
+            <a:p>
+              <a:pPr algn="ctr"/>
+              <a:r>
+                <a:rPr lang="en-NZ" sz="2000" dirty="0" smtClean="0">
+                  <a:solidFill>
+                    <a:sysClr val="windowText" lastClr="000000"/>
+                  </a:solidFill>
+                </a:rPr>
+                <a:t>Lower Magnets</a:t>
+              </a:r>
+              <a:endParaRPr lang="en-NZ" sz="2000" dirty="0">
+                <a:solidFill>
+                  <a:sysClr val="windowText" lastClr="000000"/>
+                </a:solidFill>
+              </a:endParaRPr>
+            </a:p>
+          </p:txBody>
+        </p:sp>
+        <p:sp>
+          <p:nvSpPr>
+            <p:cNvPr id="29" name="Flowchart: Decision 28"/>
+            <p:cNvSpPr/>
+            <p:nvPr/>
+          </p:nvSpPr>
+          <p:spPr>
+            <a:xfrm>
+              <a:off x="4398890" y="5448943"/>
+              <a:ext cx="1905000" cy="792479"/>
+            </a:xfrm>
+            <a:prstGeom prst="flowChartDecision">
+              <a:avLst/>
+            </a:prstGeom>
+            <a:solidFill>
+              <a:schemeClr val="bg1">
+                <a:lumMod val="95000"/>
+              </a:schemeClr>
+            </a:solidFill>
+            <a:ln>
+              <a:solidFill>
+                <a:schemeClr val="tx1"/>
+              </a:solidFill>
+            </a:ln>
+          </p:spPr>
+          <p:style>
+            <a:lnRef idx="2">
+              <a:schemeClr val="accent1">
+                <a:shade val="50000"/>
+              </a:schemeClr>
+            </a:lnRef>
+            <a:fillRef idx="1">
+              <a:schemeClr val="accent1"/>
+            </a:fillRef>
+            <a:effectRef idx="0">
+              <a:schemeClr val="accent1"/>
+            </a:effectRef>
+            <a:fontRef idx="minor">
+              <a:schemeClr val="lt1"/>
+            </a:fontRef>
+          </p:style>
+          <p:txBody>
+            <a:bodyPr rtlCol="0" anchor="ctr"/>
+            <a:lstStyle/>
+            <a:p>
+              <a:pPr algn="ctr"/>
+              <a:endParaRPr lang="en-NZ" dirty="0"/>
+            </a:p>
+          </p:txBody>
+        </p:sp>
+        <p:sp>
+          <p:nvSpPr>
+            <p:cNvPr id="30" name="TextBox 29"/>
+            <p:cNvSpPr txBox="1"/>
+            <p:nvPr/>
+          </p:nvSpPr>
+          <p:spPr>
+            <a:xfrm>
+              <a:off x="4671239" y="5643490"/>
+              <a:ext cx="1360309" cy="369332"/>
+            </a:xfrm>
+            <a:prstGeom prst="rect">
+              <a:avLst/>
+            </a:prstGeom>
+            <a:noFill/>
+          </p:spPr>
+          <p:txBody>
+            <a:bodyPr wrap="none" rtlCol="0">
+              <a:spAutoFit/>
+            </a:bodyPr>
+            <a:lstStyle/>
+            <a:p>
+              <a:pPr algn="ctr"/>
+              <a:r>
+                <a:rPr lang="en-NZ" dirty="0" smtClean="0"/>
+                <a:t>Got Weight?</a:t>
+              </a:r>
+              <a:endParaRPr lang="en-NZ" dirty="0"/>
+            </a:p>
+          </p:txBody>
+        </p:sp>
+        <p:cxnSp>
+          <p:nvCxnSpPr>
+            <p:cNvPr id="31" name="Straight Arrow Connector 30"/>
+            <p:cNvCxnSpPr>
+              <a:stCxn id="28" idx="2"/>
+              <a:endCxn id="29" idx="0"/>
+            </p:cNvCxnSpPr>
+            <p:nvPr/>
+          </p:nvCxnSpPr>
+          <p:spPr>
+            <a:xfrm flipH="1">
+              <a:off x="5351390" y="5186052"/>
+              <a:ext cx="1" cy="262891"/>
+            </a:xfrm>
+            <a:prstGeom prst="straightConnector1">
+              <a:avLst/>
+            </a:prstGeom>
+            <a:ln w="19050">
+              <a:solidFill>
+                <a:schemeClr val="tx1"/>
+              </a:solidFill>
+              <a:tailEnd type="arrow"/>
+            </a:ln>
+          </p:spPr>
+          <p:style>
+            <a:lnRef idx="1">
+              <a:schemeClr val="accent1"/>
+            </a:lnRef>
+            <a:fillRef idx="0">
+              <a:schemeClr val="accent1"/>
+            </a:fillRef>
+            <a:effectRef idx="0">
+              <a:schemeClr val="accent1"/>
+            </a:effectRef>
+            <a:fontRef idx="minor">
+              <a:schemeClr val="tx1"/>
+            </a:fontRef>
+          </p:style>
+        </p:cxnSp>
+        <p:sp>
+          <p:nvSpPr>
+            <p:cNvPr id="32" name="Rectangle 31"/>
+            <p:cNvSpPr/>
+            <p:nvPr/>
+          </p:nvSpPr>
+          <p:spPr>
+            <a:xfrm>
+              <a:off x="3622203" y="1193097"/>
+              <a:ext cx="3733799" cy="5741103"/>
+            </a:xfrm>
+            <a:prstGeom prst="rect">
+              <a:avLst/>
+            </a:prstGeom>
+            <a:noFill/>
+            <a:ln>
+              <a:solidFill>
+                <a:schemeClr val="tx1"/>
+              </a:solidFill>
+              <a:prstDash val="dash"/>
+            </a:ln>
+          </p:spPr>
+          <p:style>
+            <a:lnRef idx="2">
+              <a:schemeClr val="accent1">
+                <a:shade val="50000"/>
+              </a:schemeClr>
+            </a:lnRef>
+            <a:fillRef idx="1">
+              <a:schemeClr val="accent1"/>
+            </a:fillRef>
+            <a:effectRef idx="0">
+              <a:schemeClr val="accent1"/>
+            </a:effectRef>
+            <a:fontRef idx="minor">
+              <a:schemeClr val="lt1"/>
+            </a:fontRef>
+          </p:style>
+          <p:txBody>
+            <a:bodyPr vert="horz" rtlCol="0" anchor="t"/>
+            <a:lstStyle/>
+            <a:p>
+              <a:pPr algn="ctr"/>
+              <a:r>
+                <a:rPr lang="en-NZ" dirty="0" smtClean="0">
+                  <a:solidFill>
+                    <a:sysClr val="windowText" lastClr="000000"/>
+                  </a:solidFill>
+                </a:rPr>
+                <a:t>COLLECTING</a:t>
+              </a:r>
+              <a:endParaRPr lang="en-NZ" dirty="0">
+                <a:solidFill>
+                  <a:sysClr val="windowText" lastClr="000000"/>
+                </a:solidFill>
+              </a:endParaRPr>
+            </a:p>
+          </p:txBody>
+        </p:sp>
+        <p:cxnSp>
+          <p:nvCxnSpPr>
+            <p:cNvPr id="33" name="Elbow Connector 32"/>
+            <p:cNvCxnSpPr>
+              <a:stCxn id="5" idx="3"/>
+              <a:endCxn id="7" idx="3"/>
+            </p:cNvCxnSpPr>
+            <p:nvPr/>
+          </p:nvCxnSpPr>
+          <p:spPr>
+            <a:xfrm flipV="1">
+              <a:off x="6303890" y="2611100"/>
+              <a:ext cx="12700" cy="1081434"/>
+            </a:xfrm>
+            <a:prstGeom prst="bentConnector3">
+              <a:avLst>
+                <a:gd name="adj1" fmla="val 1800000"/>
+              </a:avLst>
+            </a:prstGeom>
+            <a:ln w="19050">
+              <a:solidFill>
+                <a:schemeClr val="tx1"/>
+              </a:solidFill>
+              <a:tailEnd type="arrow"/>
+            </a:ln>
+          </p:spPr>
+          <p:style>
+            <a:lnRef idx="1">
+              <a:schemeClr val="accent1"/>
+            </a:lnRef>
+            <a:fillRef idx="0">
+              <a:schemeClr val="accent1"/>
+            </a:fillRef>
+            <a:effectRef idx="0">
+              <a:schemeClr val="accent1"/>
+            </a:effectRef>
+            <a:fontRef idx="minor">
+              <a:schemeClr val="tx1"/>
+            </a:fontRef>
+          </p:style>
+        </p:cxnSp>
+        <p:sp>
+          <p:nvSpPr>
+            <p:cNvPr id="34" name="TextBox 33"/>
+            <p:cNvSpPr txBox="1"/>
+            <p:nvPr/>
+          </p:nvSpPr>
+          <p:spPr>
+            <a:xfrm>
+              <a:off x="5866826" y="2973128"/>
+              <a:ext cx="688009" cy="646331"/>
+            </a:xfrm>
+            <a:prstGeom prst="rect">
+              <a:avLst/>
+            </a:prstGeom>
+            <a:noFill/>
+          </p:spPr>
+          <p:txBody>
+            <a:bodyPr wrap="none" rtlCol="0">
+              <a:spAutoFit/>
+            </a:bodyPr>
+            <a:lstStyle/>
+            <a:p>
+              <a:r>
+                <a:rPr lang="en-NZ" dirty="0" smtClean="0"/>
+                <a:t>Not</a:t>
+              </a:r>
+            </a:p>
+            <a:p>
+              <a:r>
+                <a:rPr lang="en-NZ" dirty="0"/>
+                <a:t>C</a:t>
+              </a:r>
+              <a:r>
+                <a:rPr lang="en-NZ" dirty="0" smtClean="0"/>
+                <a:t>lose</a:t>
+              </a:r>
+              <a:endParaRPr lang="en-NZ" dirty="0"/>
+            </a:p>
+          </p:txBody>
+        </p:sp>
+        <p:sp>
+          <p:nvSpPr>
+            <p:cNvPr id="35" name="TextBox 34"/>
+            <p:cNvSpPr txBox="1"/>
+            <p:nvPr/>
+          </p:nvSpPr>
+          <p:spPr>
+            <a:xfrm>
+              <a:off x="3967047" y="3289084"/>
+              <a:ext cx="568425" cy="369332"/>
+            </a:xfrm>
+            <a:prstGeom prst="rect">
+              <a:avLst/>
+            </a:prstGeom>
+            <a:noFill/>
+          </p:spPr>
+          <p:txBody>
+            <a:bodyPr wrap="none" rtlCol="0">
+              <a:spAutoFit/>
+            </a:bodyPr>
+            <a:lstStyle/>
+            <a:p>
+              <a:r>
+                <a:rPr lang="en-NZ" dirty="0" smtClean="0"/>
+                <a:t>Lost</a:t>
+              </a:r>
+              <a:endParaRPr lang="en-NZ" dirty="0"/>
+            </a:p>
+          </p:txBody>
+        </p:sp>
+        <p:sp>
+          <p:nvSpPr>
+            <p:cNvPr id="36" name="TextBox 35"/>
+            <p:cNvSpPr txBox="1"/>
+            <p:nvPr/>
+          </p:nvSpPr>
+          <p:spPr>
+            <a:xfrm>
+              <a:off x="3952213" y="5849396"/>
+              <a:ext cx="568425" cy="369332"/>
+            </a:xfrm>
+            <a:prstGeom prst="rect">
+              <a:avLst/>
+            </a:prstGeom>
+            <a:noFill/>
+          </p:spPr>
+          <p:txBody>
+            <a:bodyPr wrap="none" rtlCol="0">
+              <a:spAutoFit/>
+            </a:bodyPr>
+            <a:lstStyle/>
+            <a:p>
+              <a:r>
+                <a:rPr lang="en-NZ" dirty="0" smtClean="0"/>
+                <a:t>Lost</a:t>
+              </a:r>
+              <a:endParaRPr lang="en-NZ" dirty="0"/>
+            </a:p>
+          </p:txBody>
+        </p:sp>
+        <p:cxnSp>
+          <p:nvCxnSpPr>
+            <p:cNvPr id="37" name="Elbow Connector 36"/>
+            <p:cNvCxnSpPr>
+              <a:stCxn id="29" idx="3"/>
+              <a:endCxn id="38" idx="0"/>
+            </p:cNvCxnSpPr>
+            <p:nvPr/>
+          </p:nvCxnSpPr>
+          <p:spPr>
+            <a:xfrm flipV="1">
+              <a:off x="6303890" y="2186918"/>
+              <a:ext cx="2824389" cy="3658265"/>
+            </a:xfrm>
+            <a:prstGeom prst="bentConnector4">
+              <a:avLst>
+                <a:gd name="adj1" fmla="val 33138"/>
+                <a:gd name="adj2" fmla="val 106249"/>
+              </a:avLst>
+            </a:prstGeom>
+            <a:ln w="19050">
+              <a:solidFill>
+                <a:schemeClr val="tx1"/>
+              </a:solidFill>
+              <a:tailEnd type="arrow"/>
+            </a:ln>
+          </p:spPr>
+          <p:style>
+            <a:lnRef idx="1">
+              <a:schemeClr val="accent1"/>
+            </a:lnRef>
+            <a:fillRef idx="0">
+              <a:schemeClr val="accent1"/>
+            </a:fillRef>
+            <a:effectRef idx="0">
+              <a:schemeClr val="accent1"/>
+            </a:effectRef>
+            <a:fontRef idx="minor">
+              <a:schemeClr val="tx1"/>
+            </a:fontRef>
+          </p:style>
+        </p:cxnSp>
+        <p:sp>
+          <p:nvSpPr>
+            <p:cNvPr id="38" name="Flowchart: Process 37"/>
+            <p:cNvSpPr/>
+            <p:nvPr/>
+          </p:nvSpPr>
+          <p:spPr>
+            <a:xfrm>
+              <a:off x="8175779" y="2186918"/>
+              <a:ext cx="1905000" cy="792479"/>
+            </a:xfrm>
+            <a:prstGeom prst="flowChartProcess">
+              <a:avLst/>
+            </a:prstGeom>
+            <a:solidFill>
+              <a:schemeClr val="bg1">
+                <a:lumMod val="95000"/>
+              </a:schemeClr>
+            </a:solidFill>
+            <a:ln>
+              <a:solidFill>
+                <a:schemeClr val="tx1"/>
+              </a:solidFill>
+            </a:ln>
+          </p:spPr>
+          <p:style>
+            <a:lnRef idx="2">
+              <a:schemeClr val="accent1">
+                <a:shade val="50000"/>
+              </a:schemeClr>
+            </a:lnRef>
+            <a:fillRef idx="1">
+              <a:schemeClr val="accent1"/>
+            </a:fillRef>
+            <a:effectRef idx="0">
+              <a:schemeClr val="accent1"/>
+            </a:effectRef>
+            <a:fontRef idx="minor">
+              <a:schemeClr val="lt1"/>
+            </a:fontRef>
+          </p:style>
+          <p:txBody>
+            <a:bodyPr rtlCol="0" anchor="ctr"/>
+            <a:lstStyle/>
+            <a:p>
+              <a:pPr algn="ctr"/>
+              <a:r>
+                <a:rPr lang="en-NZ" sz="2000" dirty="0" smtClean="0">
+                  <a:solidFill>
+                    <a:sysClr val="windowText" lastClr="000000"/>
+                  </a:solidFill>
+                </a:rPr>
+                <a:t>Avoid walls</a:t>
+              </a:r>
+              <a:endParaRPr lang="en-NZ" sz="2000" dirty="0">
+                <a:solidFill>
+                  <a:sysClr val="windowText" lastClr="000000"/>
+                </a:solidFill>
+              </a:endParaRPr>
+            </a:p>
+          </p:txBody>
+        </p:sp>
+        <p:sp>
+          <p:nvSpPr>
+            <p:cNvPr id="39" name="Flowchart: Decision 38"/>
+            <p:cNvSpPr/>
+            <p:nvPr/>
+          </p:nvSpPr>
+          <p:spPr>
+            <a:xfrm>
+              <a:off x="8175778" y="3313077"/>
+              <a:ext cx="1905000" cy="792479"/>
+            </a:xfrm>
+            <a:prstGeom prst="flowChartDecision">
+              <a:avLst/>
+            </a:prstGeom>
+            <a:solidFill>
+              <a:schemeClr val="bg1">
+                <a:lumMod val="95000"/>
+              </a:schemeClr>
+            </a:solidFill>
+            <a:ln>
+              <a:solidFill>
+                <a:schemeClr val="tx1"/>
+              </a:solidFill>
+            </a:ln>
+          </p:spPr>
+          <p:style>
+            <a:lnRef idx="2">
+              <a:schemeClr val="accent1">
+                <a:shade val="50000"/>
+              </a:schemeClr>
+            </a:lnRef>
+            <a:fillRef idx="1">
+              <a:schemeClr val="accent1"/>
+            </a:fillRef>
+            <a:effectRef idx="0">
+              <a:schemeClr val="accent1"/>
+            </a:effectRef>
+            <a:fontRef idx="minor">
+              <a:schemeClr val="lt1"/>
+            </a:fontRef>
+          </p:style>
+          <p:txBody>
+            <a:bodyPr rtlCol="0" anchor="ctr"/>
+            <a:lstStyle/>
+            <a:p>
+              <a:pPr algn="ctr"/>
+              <a:endParaRPr lang="en-NZ" dirty="0"/>
+            </a:p>
+          </p:txBody>
+        </p:sp>
+        <p:cxnSp>
+          <p:nvCxnSpPr>
+            <p:cNvPr id="40" name="Straight Arrow Connector 39"/>
+            <p:cNvCxnSpPr>
+              <a:stCxn id="38" idx="2"/>
+              <a:endCxn id="39" idx="0"/>
+            </p:cNvCxnSpPr>
+            <p:nvPr/>
+          </p:nvCxnSpPr>
+          <p:spPr>
+            <a:xfrm flipH="1">
+              <a:off x="9128278" y="2979397"/>
+              <a:ext cx="1" cy="333680"/>
+            </a:xfrm>
+            <a:prstGeom prst="straightConnector1">
+              <a:avLst/>
+            </a:prstGeom>
+            <a:ln w="19050">
+              <a:solidFill>
+                <a:schemeClr val="tx1"/>
+              </a:solidFill>
+              <a:tailEnd type="arrow"/>
+            </a:ln>
+          </p:spPr>
+          <p:style>
+            <a:lnRef idx="1">
+              <a:schemeClr val="accent1"/>
+            </a:lnRef>
+            <a:fillRef idx="0">
+              <a:schemeClr val="accent1"/>
+            </a:fillRef>
+            <a:effectRef idx="0">
+              <a:schemeClr val="accent1"/>
+            </a:effectRef>
+            <a:fontRef idx="minor">
+              <a:schemeClr val="tx1"/>
+            </a:fontRef>
+          </p:style>
+        </p:cxnSp>
+        <p:sp>
+          <p:nvSpPr>
+            <p:cNvPr id="41" name="TextBox 40"/>
+            <p:cNvSpPr txBox="1"/>
+            <p:nvPr/>
+          </p:nvSpPr>
+          <p:spPr>
+            <a:xfrm>
+              <a:off x="8636662" y="3524650"/>
+              <a:ext cx="986745" cy="369332"/>
+            </a:xfrm>
+            <a:prstGeom prst="rect">
+              <a:avLst/>
+            </a:prstGeom>
+            <a:noFill/>
+          </p:spPr>
+          <p:txBody>
+            <a:bodyPr wrap="none" rtlCol="0">
+              <a:spAutoFit/>
+            </a:bodyPr>
+            <a:lstStyle/>
+            <a:p>
+              <a:pPr algn="ctr"/>
+              <a:r>
+                <a:rPr lang="en-NZ" dirty="0" smtClean="0"/>
+                <a:t>At base?</a:t>
+              </a:r>
+              <a:endParaRPr lang="en-NZ" dirty="0"/>
+            </a:p>
+          </p:txBody>
+        </p:sp>
+        <p:cxnSp>
+          <p:nvCxnSpPr>
+            <p:cNvPr id="42" name="Elbow Connector 41"/>
+            <p:cNvCxnSpPr>
+              <a:stCxn id="39" idx="1"/>
+              <a:endCxn id="38" idx="1"/>
+            </p:cNvCxnSpPr>
+            <p:nvPr/>
+          </p:nvCxnSpPr>
+          <p:spPr>
+            <a:xfrm rot="10800000" flipH="1">
+              <a:off x="8175777" y="2583159"/>
+              <a:ext cx="1" cy="1126159"/>
+            </a:xfrm>
+            <a:prstGeom prst="bentConnector3">
+              <a:avLst>
+                <a:gd name="adj1" fmla="val -22860000000"/>
+              </a:avLst>
+            </a:prstGeom>
+            <a:ln w="19050">
+              <a:solidFill>
+                <a:schemeClr val="tx1"/>
+              </a:solidFill>
+              <a:tailEnd type="arrow"/>
+            </a:ln>
+          </p:spPr>
+          <p:style>
+            <a:lnRef idx="1">
+              <a:schemeClr val="accent1"/>
+            </a:lnRef>
+            <a:fillRef idx="0">
+              <a:schemeClr val="accent1"/>
+            </a:fillRef>
+            <a:effectRef idx="0">
+              <a:schemeClr val="accent1"/>
+            </a:effectRef>
+            <a:fontRef idx="minor">
+              <a:schemeClr val="tx1"/>
+            </a:fontRef>
+          </p:style>
+        </p:cxnSp>
+        <p:cxnSp>
+          <p:nvCxnSpPr>
+            <p:cNvPr id="43" name="Straight Arrow Connector 42"/>
+            <p:cNvCxnSpPr>
+              <a:stCxn id="39" idx="2"/>
+              <a:endCxn id="44" idx="0"/>
+            </p:cNvCxnSpPr>
+            <p:nvPr/>
+          </p:nvCxnSpPr>
+          <p:spPr>
+            <a:xfrm>
+              <a:off x="9128278" y="4105556"/>
+              <a:ext cx="1753" cy="270838"/>
+            </a:xfrm>
+            <a:prstGeom prst="straightConnector1">
+              <a:avLst/>
+            </a:prstGeom>
+            <a:ln w="19050">
+              <a:solidFill>
+                <a:schemeClr val="tx1"/>
+              </a:solidFill>
+              <a:tailEnd type="arrow"/>
+            </a:ln>
+          </p:spPr>
+          <p:style>
+            <a:lnRef idx="1">
+              <a:schemeClr val="accent1"/>
+            </a:lnRef>
+            <a:fillRef idx="0">
+              <a:schemeClr val="accent1"/>
+            </a:fillRef>
+            <a:effectRef idx="0">
+              <a:schemeClr val="accent1"/>
+            </a:effectRef>
+            <a:fontRef idx="minor">
+              <a:schemeClr val="tx1"/>
+            </a:fontRef>
+          </p:style>
+        </p:cxnSp>
+        <p:sp>
+          <p:nvSpPr>
+            <p:cNvPr id="44" name="Flowchart: Process 43"/>
+            <p:cNvSpPr/>
+            <p:nvPr/>
+          </p:nvSpPr>
+          <p:spPr>
+            <a:xfrm>
+              <a:off x="8177531" y="4376394"/>
+              <a:ext cx="1905000" cy="792479"/>
+            </a:xfrm>
+            <a:prstGeom prst="flowChartProcess">
+              <a:avLst/>
+            </a:prstGeom>
+            <a:solidFill>
+              <a:schemeClr val="bg1">
+                <a:lumMod val="95000"/>
+              </a:schemeClr>
+            </a:solidFill>
+            <a:ln>
+              <a:solidFill>
+                <a:schemeClr val="tx1"/>
+              </a:solidFill>
+            </a:ln>
+          </p:spPr>
+          <p:style>
+            <a:lnRef idx="2">
+              <a:schemeClr val="accent1">
+                <a:shade val="50000"/>
+              </a:schemeClr>
+            </a:lnRef>
+            <a:fillRef idx="1">
+              <a:schemeClr val="accent1"/>
+            </a:fillRef>
+            <a:effectRef idx="0">
+              <a:schemeClr val="accent1"/>
+            </a:effectRef>
+            <a:fontRef idx="minor">
+              <a:schemeClr val="lt1"/>
+            </a:fontRef>
+          </p:style>
+          <p:txBody>
+            <a:bodyPr rtlCol="0" anchor="ctr"/>
+            <a:lstStyle/>
+            <a:p>
+              <a:pPr algn="ctr"/>
+              <a:r>
+                <a:rPr lang="en-NZ" sz="2000" dirty="0" smtClean="0">
+                  <a:solidFill>
+                    <a:sysClr val="windowText" lastClr="000000"/>
+                  </a:solidFill>
+                </a:rPr>
+                <a:t>Lower Magnets</a:t>
+              </a:r>
+              <a:endParaRPr lang="en-NZ" sz="2000" dirty="0">
+                <a:solidFill>
+                  <a:sysClr val="windowText" lastClr="000000"/>
+                </a:solidFill>
+              </a:endParaRPr>
+            </a:p>
+          </p:txBody>
+        </p:sp>
+        <p:cxnSp>
+          <p:nvCxnSpPr>
+            <p:cNvPr id="45" name="Elbow Connector 44"/>
+            <p:cNvCxnSpPr>
+              <a:stCxn id="44" idx="3"/>
+              <a:endCxn id="66" idx="0"/>
+            </p:cNvCxnSpPr>
+            <p:nvPr/>
+          </p:nvCxnSpPr>
+          <p:spPr>
+            <a:xfrm flipH="1" flipV="1">
+              <a:off x="1274972" y="1797922"/>
+              <a:ext cx="8807559" cy="2974712"/>
+            </a:xfrm>
+            <a:prstGeom prst="bentConnector4">
+              <a:avLst>
+                <a:gd name="adj1" fmla="val -2595"/>
+                <a:gd name="adj2" fmla="val 107685"/>
+              </a:avLst>
+            </a:prstGeom>
+            <a:ln w="19050">
+              <a:solidFill>
+                <a:schemeClr val="tx1"/>
+              </a:solidFill>
+              <a:tailEnd type="arrow"/>
+            </a:ln>
+          </p:spPr>
+          <p:style>
+            <a:lnRef idx="1">
+              <a:schemeClr val="accent1"/>
+            </a:lnRef>
+            <a:fillRef idx="0">
+              <a:schemeClr val="accent1"/>
+            </a:fillRef>
+            <a:effectRef idx="0">
+              <a:schemeClr val="accent1"/>
+            </a:effectRef>
+            <a:fontRef idx="minor">
+              <a:schemeClr val="tx1"/>
+            </a:fontRef>
+          </p:style>
+        </p:cxnSp>
+        <p:sp>
+          <p:nvSpPr>
+            <p:cNvPr id="46" name="Rectangle 45"/>
+            <p:cNvSpPr/>
+            <p:nvPr/>
+          </p:nvSpPr>
+          <p:spPr>
+            <a:xfrm>
+              <a:off x="7699529" y="1193097"/>
+              <a:ext cx="2780674" cy="4500620"/>
+            </a:xfrm>
+            <a:prstGeom prst="rect">
+              <a:avLst/>
+            </a:prstGeom>
+            <a:noFill/>
+            <a:ln>
+              <a:solidFill>
+                <a:schemeClr val="tx1"/>
+              </a:solidFill>
+              <a:prstDash val="dash"/>
+            </a:ln>
+          </p:spPr>
+          <p:style>
+            <a:lnRef idx="2">
+              <a:schemeClr val="accent1">
+                <a:shade val="50000"/>
+              </a:schemeClr>
+            </a:lnRef>
+            <a:fillRef idx="1">
+              <a:schemeClr val="accent1"/>
+            </a:fillRef>
+            <a:effectRef idx="0">
+              <a:schemeClr val="accent1"/>
+            </a:effectRef>
+            <a:fontRef idx="minor">
+              <a:schemeClr val="lt1"/>
+            </a:fontRef>
+          </p:style>
+          <p:txBody>
+            <a:bodyPr vert="horz" rtlCol="0" anchor="t"/>
+            <a:lstStyle/>
+            <a:p>
+              <a:pPr algn="ctr"/>
+              <a:r>
+                <a:rPr lang="en-NZ" dirty="0" smtClean="0">
+                  <a:solidFill>
+                    <a:sysClr val="windowText" lastClr="000000"/>
+                  </a:solidFill>
+                </a:rPr>
+                <a:t>RETURNING</a:t>
+              </a:r>
+              <a:endParaRPr lang="en-NZ" dirty="0">
+                <a:solidFill>
+                  <a:sysClr val="windowText" lastClr="000000"/>
+                </a:solidFill>
+              </a:endParaRPr>
+            </a:p>
+          </p:txBody>
+        </p:sp>
+        <p:sp>
+          <p:nvSpPr>
+            <p:cNvPr id="47" name="TextBox 46"/>
+            <p:cNvSpPr txBox="1"/>
+            <p:nvPr/>
+          </p:nvSpPr>
+          <p:spPr>
+            <a:xfrm>
+              <a:off x="5282418" y="6488668"/>
+              <a:ext cx="1595952" cy="369332"/>
+            </a:xfrm>
+            <a:prstGeom prst="rect">
+              <a:avLst/>
+            </a:prstGeom>
+            <a:noFill/>
+          </p:spPr>
+          <p:txBody>
+            <a:bodyPr wrap="square" rtlCol="0">
+              <a:spAutoFit/>
+            </a:bodyPr>
+            <a:lstStyle/>
+            <a:p>
+              <a:r>
+                <a:rPr lang="en-NZ" dirty="0" smtClean="0"/>
+                <a:t>Collected </a:t>
+              </a:r>
+              <a:r>
+                <a:rPr lang="en-NZ" dirty="0" smtClean="0"/>
+                <a:t>&amp; </a:t>
+              </a:r>
+              <a:r>
+                <a:rPr lang="en-NZ" dirty="0" smtClean="0"/>
+                <a:t>&gt;3</a:t>
+              </a:r>
+              <a:endParaRPr lang="en-NZ" dirty="0"/>
+            </a:p>
+          </p:txBody>
+        </p:sp>
+        <p:cxnSp>
+          <p:nvCxnSpPr>
+            <p:cNvPr id="48" name="Elbow Connector 47"/>
+            <p:cNvCxnSpPr>
+              <a:stCxn id="5" idx="1"/>
+              <a:endCxn id="29" idx="1"/>
+            </p:cNvCxnSpPr>
+            <p:nvPr/>
+          </p:nvCxnSpPr>
+          <p:spPr>
+            <a:xfrm rot="10800000" flipV="1">
+              <a:off x="4398890" y="3692533"/>
+              <a:ext cx="12700" cy="2152649"/>
+            </a:xfrm>
+            <a:prstGeom prst="bentConnector3">
+              <a:avLst>
+                <a:gd name="adj1" fmla="val 1800000"/>
+              </a:avLst>
+            </a:prstGeom>
+            <a:ln w="19050">
+              <a:solidFill>
+                <a:schemeClr val="tx1"/>
+              </a:solidFill>
+            </a:ln>
+          </p:spPr>
+          <p:style>
+            <a:lnRef idx="1">
+              <a:schemeClr val="accent1"/>
+            </a:lnRef>
+            <a:fillRef idx="0">
+              <a:schemeClr val="accent1"/>
+            </a:fillRef>
+            <a:effectRef idx="0">
+              <a:schemeClr val="accent1"/>
+            </a:effectRef>
+            <a:fontRef idx="minor">
+              <a:schemeClr val="tx1"/>
+            </a:fontRef>
+          </p:style>
+        </p:cxnSp>
+        <p:cxnSp>
+          <p:nvCxnSpPr>
+            <p:cNvPr id="49" name="Elbow Connector 48"/>
+            <p:cNvCxnSpPr>
+              <a:stCxn id="44" idx="3"/>
+              <a:endCxn id="29" idx="2"/>
+            </p:cNvCxnSpPr>
+            <p:nvPr/>
+          </p:nvCxnSpPr>
+          <p:spPr>
+            <a:xfrm flipH="1">
+              <a:off x="5351390" y="4772634"/>
+              <a:ext cx="4731141" cy="1468788"/>
+            </a:xfrm>
+            <a:prstGeom prst="bentConnector4">
+              <a:avLst>
+                <a:gd name="adj1" fmla="val -4832"/>
+                <a:gd name="adj2" fmla="val 115564"/>
+              </a:avLst>
+            </a:prstGeom>
+            <a:ln w="19050">
+              <a:solidFill>
+                <a:schemeClr val="tx1"/>
+              </a:solidFill>
+            </a:ln>
+          </p:spPr>
+          <p:style>
+            <a:lnRef idx="1">
+              <a:schemeClr val="accent1"/>
+            </a:lnRef>
+            <a:fillRef idx="0">
+              <a:schemeClr val="accent1"/>
+            </a:fillRef>
+            <a:effectRef idx="0">
+              <a:schemeClr val="accent1"/>
+            </a:effectRef>
+            <a:fontRef idx="minor">
+              <a:schemeClr val="tx1"/>
+            </a:fontRef>
+          </p:style>
+        </p:cxnSp>
+        <p:sp>
+          <p:nvSpPr>
+            <p:cNvPr id="63" name="TextBox 62"/>
+            <p:cNvSpPr txBox="1"/>
+            <p:nvPr/>
+          </p:nvSpPr>
+          <p:spPr>
+            <a:xfrm>
+              <a:off x="9203188" y="3996992"/>
+              <a:ext cx="879343" cy="369332"/>
+            </a:xfrm>
+            <a:prstGeom prst="rect">
+              <a:avLst/>
+            </a:prstGeom>
+            <a:noFill/>
+          </p:spPr>
+          <p:txBody>
+            <a:bodyPr wrap="none" rtlCol="0">
+              <a:spAutoFit/>
+            </a:bodyPr>
+            <a:lstStyle/>
+            <a:p>
+              <a:r>
+                <a:rPr lang="en-NZ" dirty="0" smtClean="0"/>
+                <a:t>At base</a:t>
+              </a:r>
+              <a:endParaRPr lang="en-NZ" dirty="0"/>
+            </a:p>
+          </p:txBody>
+        </p:sp>
+        <p:sp>
+          <p:nvSpPr>
+            <p:cNvPr id="64" name="TextBox 63"/>
+            <p:cNvSpPr txBox="1"/>
+            <p:nvPr/>
+          </p:nvSpPr>
+          <p:spPr>
+            <a:xfrm>
+              <a:off x="7717689" y="3707329"/>
+              <a:ext cx="770852" cy="646331"/>
+            </a:xfrm>
+            <a:prstGeom prst="rect">
+              <a:avLst/>
+            </a:prstGeom>
+            <a:noFill/>
+          </p:spPr>
+          <p:txBody>
+            <a:bodyPr wrap="none" rtlCol="0">
+              <a:spAutoFit/>
+            </a:bodyPr>
+            <a:lstStyle/>
+            <a:p>
+              <a:r>
+                <a:rPr lang="en-NZ" dirty="0" smtClean="0"/>
+                <a:t>Not a</a:t>
+              </a:r>
+              <a:r>
+                <a:rPr lang="en-NZ" dirty="0" smtClean="0"/>
+                <a:t>t</a:t>
+              </a:r>
+            </a:p>
+            <a:p>
+              <a:r>
+                <a:rPr lang="en-NZ" dirty="0" smtClean="0"/>
+                <a:t>base</a:t>
+              </a:r>
+              <a:endParaRPr lang="en-NZ" dirty="0"/>
+            </a:p>
+          </p:txBody>
+        </p:sp>
+        <p:sp>
+          <p:nvSpPr>
+            <p:cNvPr id="71" name="TextBox 70"/>
+            <p:cNvSpPr txBox="1"/>
+            <p:nvPr/>
+          </p:nvSpPr>
+          <p:spPr>
+            <a:xfrm>
+              <a:off x="787960" y="3146237"/>
+              <a:ext cx="986745" cy="369332"/>
+            </a:xfrm>
+            <a:prstGeom prst="rect">
+              <a:avLst/>
+            </a:prstGeom>
+            <a:noFill/>
+          </p:spPr>
+          <p:txBody>
+            <a:bodyPr wrap="none" rtlCol="0">
+              <a:spAutoFit/>
+            </a:bodyPr>
+            <a:lstStyle/>
+            <a:p>
+              <a:pPr algn="ctr"/>
+              <a:r>
+                <a:rPr lang="en-NZ" dirty="0" smtClean="0"/>
+                <a:t>At base?</a:t>
+              </a:r>
+              <a:endParaRPr lang="en-NZ" dirty="0"/>
+            </a:p>
+          </p:txBody>
+        </p:sp>
+        <p:sp>
+          <p:nvSpPr>
+            <p:cNvPr id="72" name="TextBox 71"/>
+            <p:cNvSpPr txBox="1"/>
+            <p:nvPr/>
+          </p:nvSpPr>
+          <p:spPr>
+            <a:xfrm>
+              <a:off x="1994702" y="3386499"/>
+              <a:ext cx="485518" cy="369332"/>
+            </a:xfrm>
+            <a:prstGeom prst="rect">
+              <a:avLst/>
+            </a:prstGeom>
+            <a:noFill/>
+          </p:spPr>
+          <p:txBody>
+            <a:bodyPr wrap="none" rtlCol="0">
+              <a:spAutoFit/>
+            </a:bodyPr>
+            <a:lstStyle/>
+            <a:p>
+              <a:r>
+                <a:rPr lang="en-NZ" dirty="0" smtClean="0"/>
+                <a:t>Yes</a:t>
+              </a:r>
+              <a:endParaRPr lang="en-NZ" dirty="0"/>
+            </a:p>
+          </p:txBody>
+        </p:sp>
+        <p:sp>
+          <p:nvSpPr>
+            <p:cNvPr id="73" name="TextBox 72"/>
+            <p:cNvSpPr txBox="1"/>
+            <p:nvPr/>
+          </p:nvSpPr>
+          <p:spPr>
+            <a:xfrm>
+              <a:off x="798721" y="3668669"/>
+              <a:ext cx="455574" cy="369332"/>
+            </a:xfrm>
+            <a:prstGeom prst="rect">
+              <a:avLst/>
+            </a:prstGeom>
+            <a:noFill/>
+          </p:spPr>
+          <p:txBody>
+            <a:bodyPr wrap="none" rtlCol="0">
+              <a:spAutoFit/>
+            </a:bodyPr>
+            <a:lstStyle/>
+            <a:p>
+              <a:r>
+                <a:rPr lang="en-NZ" dirty="0" smtClean="0"/>
+                <a:t>No</a:t>
+              </a:r>
+              <a:endParaRPr lang="en-NZ" dirty="0"/>
+            </a:p>
+          </p:txBody>
+        </p:sp>
+        <p:cxnSp>
+          <p:nvCxnSpPr>
+            <p:cNvPr id="80" name="Straight Arrow Connector 79"/>
+            <p:cNvCxnSpPr>
+              <a:stCxn id="66" idx="2"/>
+              <a:endCxn id="70" idx="0"/>
+            </p:cNvCxnSpPr>
+            <p:nvPr/>
+          </p:nvCxnSpPr>
+          <p:spPr>
+            <a:xfrm>
+              <a:off x="1274972" y="2590401"/>
+              <a:ext cx="0" cy="350896"/>
+            </a:xfrm>
+            <a:prstGeom prst="straightConnector1">
+              <a:avLst/>
+            </a:prstGeom>
+            <a:ln w="19050">
+              <a:solidFill>
+                <a:schemeClr val="tx1"/>
+              </a:solidFill>
+              <a:tailEnd type="arrow"/>
+            </a:ln>
+          </p:spPr>
+          <p:style>
+            <a:lnRef idx="1">
+              <a:schemeClr val="accent1"/>
+            </a:lnRef>
+            <a:fillRef idx="0">
+              <a:schemeClr val="accent1"/>
+            </a:fillRef>
+            <a:effectRef idx="0">
+              <a:schemeClr val="accent1"/>
+            </a:effectRef>
+            <a:fontRef idx="minor">
+              <a:schemeClr val="tx1"/>
+            </a:fontRef>
+          </p:style>
+        </p:cxnSp>
+        <p:cxnSp>
+          <p:nvCxnSpPr>
+            <p:cNvPr id="100" name="Straight Arrow Connector 99"/>
+            <p:cNvCxnSpPr>
+              <a:stCxn id="70" idx="2"/>
+              <a:endCxn id="65" idx="0"/>
+            </p:cNvCxnSpPr>
+            <p:nvPr/>
+          </p:nvCxnSpPr>
+          <p:spPr>
+            <a:xfrm>
+              <a:off x="1274972" y="3733776"/>
+              <a:ext cx="0" cy="272028"/>
+            </a:xfrm>
+            <a:prstGeom prst="straightConnector1">
+              <a:avLst/>
+            </a:prstGeom>
+            <a:ln w="19050">
+              <a:solidFill>
+                <a:schemeClr val="tx1"/>
+              </a:solidFill>
+              <a:tailEnd type="arrow"/>
+            </a:ln>
+          </p:spPr>
+          <p:style>
+            <a:lnRef idx="1">
+              <a:schemeClr val="accent1"/>
+            </a:lnRef>
+            <a:fillRef idx="0">
+              <a:schemeClr val="accent1"/>
+            </a:fillRef>
+            <a:effectRef idx="0">
+              <a:schemeClr val="accent1"/>
+            </a:effectRef>
+            <a:fontRef idx="minor">
+              <a:schemeClr val="tx1"/>
+            </a:fontRef>
+          </p:style>
+        </p:cxnSp>
+        <p:cxnSp>
+          <p:nvCxnSpPr>
+            <p:cNvPr id="105" name="Elbow Connector 104"/>
+            <p:cNvCxnSpPr>
+              <a:stCxn id="65" idx="3"/>
+              <a:endCxn id="7" idx="0"/>
+            </p:cNvCxnSpPr>
+            <p:nvPr/>
+          </p:nvCxnSpPr>
+          <p:spPr>
+            <a:xfrm flipV="1">
+              <a:off x="2227472" y="2214860"/>
+              <a:ext cx="3123918" cy="2187184"/>
+            </a:xfrm>
+            <a:prstGeom prst="bentConnector4">
+              <a:avLst>
+                <a:gd name="adj1" fmla="val 21245"/>
+                <a:gd name="adj2" fmla="val 110452"/>
+              </a:avLst>
+            </a:prstGeom>
+            <a:ln w="19050">
+              <a:solidFill>
+                <a:schemeClr val="tx1"/>
+              </a:solidFill>
+              <a:tailEnd type="arrow"/>
+            </a:ln>
+          </p:spPr>
+          <p:style>
+            <a:lnRef idx="1">
+              <a:schemeClr val="accent1"/>
+            </a:lnRef>
+            <a:fillRef idx="0">
+              <a:schemeClr val="accent1"/>
+            </a:fillRef>
+            <a:effectRef idx="0">
+              <a:schemeClr val="accent1"/>
+            </a:effectRef>
+            <a:fontRef idx="minor">
+              <a:schemeClr val="tx1"/>
+            </a:fontRef>
+          </p:style>
+        </p:cxnSp>
+        <p:cxnSp>
+          <p:nvCxnSpPr>
+            <p:cNvPr id="109" name="Elbow Connector 108"/>
+            <p:cNvCxnSpPr>
+              <a:stCxn id="65" idx="2"/>
+              <a:endCxn id="66" idx="1"/>
+            </p:cNvCxnSpPr>
+            <p:nvPr/>
+          </p:nvCxnSpPr>
+          <p:spPr>
+            <a:xfrm rot="5400000" flipH="1">
+              <a:off x="-503339" y="3019973"/>
+              <a:ext cx="2604121" cy="952500"/>
+            </a:xfrm>
+            <a:prstGeom prst="bentConnector4">
+              <a:avLst>
+                <a:gd name="adj1" fmla="val -8778"/>
+                <a:gd name="adj2" fmla="val 124000"/>
+              </a:avLst>
+            </a:prstGeom>
+            <a:ln w="19050">
+              <a:solidFill>
+                <a:schemeClr val="tx1"/>
+              </a:solidFill>
+              <a:tailEnd type="arrow"/>
+            </a:ln>
+          </p:spPr>
+          <p:style>
+            <a:lnRef idx="1">
+              <a:schemeClr val="accent1"/>
+            </a:lnRef>
+            <a:fillRef idx="0">
+              <a:schemeClr val="accent1"/>
+            </a:fillRef>
+            <a:effectRef idx="0">
+              <a:schemeClr val="accent1"/>
+            </a:effectRef>
+            <a:fontRef idx="minor">
+              <a:schemeClr val="tx1"/>
+            </a:fontRef>
+          </p:style>
+        </p:cxnSp>
+        <p:sp>
+          <p:nvSpPr>
+            <p:cNvPr id="113" name="TextBox 112"/>
+            <p:cNvSpPr txBox="1"/>
+            <p:nvPr/>
+          </p:nvSpPr>
+          <p:spPr>
+            <a:xfrm>
+              <a:off x="825758" y="5001386"/>
+              <a:ext cx="455574" cy="369332"/>
+            </a:xfrm>
+            <a:prstGeom prst="rect">
+              <a:avLst/>
+            </a:prstGeom>
+            <a:noFill/>
+          </p:spPr>
+          <p:txBody>
+            <a:bodyPr wrap="none" rtlCol="0">
+              <a:spAutoFit/>
+            </a:bodyPr>
+            <a:lstStyle/>
+            <a:p>
+              <a:r>
+                <a:rPr lang="en-NZ" dirty="0" smtClean="0"/>
+                <a:t>No</a:t>
+              </a:r>
+              <a:endParaRPr lang="en-NZ" dirty="0"/>
+            </a:p>
+          </p:txBody>
+        </p:sp>
+      </p:grpSp>
+    </p:spTree>
+    <p:extLst>
+      <p:ext uri="{BB962C8B-B14F-4D97-AF65-F5344CB8AC3E}">
+        <p14:creationId xmlns:p14="http://schemas.microsoft.com/office/powerpoint/2010/main" val="2548116175"/>
       </p:ext>
     </p:extLst>
   </p:cSld>

--- a/Reports/Graphics/State Diagrams.pptx
+++ b/Reports/Graphics/State Diagrams.pptx
@@ -294,7 +294,7 @@
             <a:fld id="{1D8BD707-D9CF-40AE-B4C6-C98DA3205C09}" type="datetimeFigureOut">
               <a:rPr lang="en-US" smtClean="0"/>
               <a:pPr/>
-              <a:t>8/18/2015</a:t>
+              <a:t>8/19/2015</a:t>
             </a:fld>
             <a:endParaRPr lang="en-US"/>
           </a:p>
@@ -461,7 +461,7 @@
             <a:fld id="{1D8BD707-D9CF-40AE-B4C6-C98DA3205C09}" type="datetimeFigureOut">
               <a:rPr lang="en-US" smtClean="0"/>
               <a:pPr/>
-              <a:t>8/18/2015</a:t>
+              <a:t>8/19/2015</a:t>
             </a:fld>
             <a:endParaRPr lang="en-US"/>
           </a:p>
@@ -638,7 +638,7 @@
             <a:fld id="{1D8BD707-D9CF-40AE-B4C6-C98DA3205C09}" type="datetimeFigureOut">
               <a:rPr lang="en-US" smtClean="0"/>
               <a:pPr/>
-              <a:t>8/18/2015</a:t>
+              <a:t>8/19/2015</a:t>
             </a:fld>
             <a:endParaRPr lang="en-US"/>
           </a:p>
@@ -805,7 +805,7 @@
             <a:fld id="{1D8BD707-D9CF-40AE-B4C6-C98DA3205C09}" type="datetimeFigureOut">
               <a:rPr lang="en-US" smtClean="0"/>
               <a:pPr/>
-              <a:t>8/18/2015</a:t>
+              <a:t>8/19/2015</a:t>
             </a:fld>
             <a:endParaRPr lang="en-US"/>
           </a:p>
@@ -1048,7 +1048,7 @@
             <a:fld id="{1D8BD707-D9CF-40AE-B4C6-C98DA3205C09}" type="datetimeFigureOut">
               <a:rPr lang="en-US" smtClean="0"/>
               <a:pPr/>
-              <a:t>8/18/2015</a:t>
+              <a:t>8/19/2015</a:t>
             </a:fld>
             <a:endParaRPr lang="en-US"/>
           </a:p>
@@ -1333,7 +1333,7 @@
             <a:fld id="{1D8BD707-D9CF-40AE-B4C6-C98DA3205C09}" type="datetimeFigureOut">
               <a:rPr lang="en-US" smtClean="0"/>
               <a:pPr/>
-              <a:t>8/18/2015</a:t>
+              <a:t>8/19/2015</a:t>
             </a:fld>
             <a:endParaRPr lang="en-US"/>
           </a:p>
@@ -1752,7 +1752,7 @@
             <a:fld id="{1D8BD707-D9CF-40AE-B4C6-C98DA3205C09}" type="datetimeFigureOut">
               <a:rPr lang="en-US" smtClean="0"/>
               <a:pPr/>
-              <a:t>8/18/2015</a:t>
+              <a:t>8/19/2015</a:t>
             </a:fld>
             <a:endParaRPr lang="en-US"/>
           </a:p>
@@ -1867,7 +1867,7 @@
             <a:fld id="{1D8BD707-D9CF-40AE-B4C6-C98DA3205C09}" type="datetimeFigureOut">
               <a:rPr lang="en-US" smtClean="0"/>
               <a:pPr/>
-              <a:t>8/18/2015</a:t>
+              <a:t>8/19/2015</a:t>
             </a:fld>
             <a:endParaRPr lang="en-US"/>
           </a:p>
@@ -1959,7 +1959,7 @@
             <a:fld id="{1D8BD707-D9CF-40AE-B4C6-C98DA3205C09}" type="datetimeFigureOut">
               <a:rPr lang="en-US" smtClean="0"/>
               <a:pPr/>
-              <a:t>8/18/2015</a:t>
+              <a:t>8/19/2015</a:t>
             </a:fld>
             <a:endParaRPr lang="en-US"/>
           </a:p>
@@ -2233,7 +2233,7 @@
             <a:fld id="{1D8BD707-D9CF-40AE-B4C6-C98DA3205C09}" type="datetimeFigureOut">
               <a:rPr lang="en-US" smtClean="0"/>
               <a:pPr/>
-              <a:t>8/18/2015</a:t>
+              <a:t>8/19/2015</a:t>
             </a:fld>
             <a:endParaRPr lang="en-US"/>
           </a:p>
@@ -2483,7 +2483,7 @@
             <a:fld id="{1D8BD707-D9CF-40AE-B4C6-C98DA3205C09}" type="datetimeFigureOut">
               <a:rPr lang="en-US" smtClean="0"/>
               <a:pPr/>
-              <a:t>8/18/2015</a:t>
+              <a:t>8/19/2015</a:t>
             </a:fld>
             <a:endParaRPr lang="en-US"/>
           </a:p>
@@ -2693,7 +2693,7 @@
             <a:fld id="{1D8BD707-D9CF-40AE-B4C6-C98DA3205C09}" type="datetimeFigureOut">
               <a:rPr lang="en-US" smtClean="0"/>
               <a:pPr/>
-              <a:t>8/18/2015</a:t>
+              <a:t>8/19/2015</a:t>
             </a:fld>
             <a:endParaRPr lang="en-US"/>
           </a:p>
@@ -5137,11 +5137,7 @@
             <a:p>
               <a:r>
                 <a:rPr lang="en-NZ" dirty="0" smtClean="0"/>
-                <a:t>&amp; =</a:t>
-              </a:r>
-              <a:r>
-                <a:rPr lang="en-NZ" dirty="0" smtClean="0"/>
-                <a:t>3</a:t>
+                <a:t>&amp; =3</a:t>
               </a:r>
               <a:endParaRPr lang="en-NZ" dirty="0"/>
             </a:p>
@@ -5819,11 +5815,7 @@
               <a:pPr algn="ctr"/>
               <a:r>
                 <a:rPr lang="en-NZ" dirty="0" smtClean="0"/>
-                <a:t>Follow </a:t>
-              </a:r>
-              <a:r>
-                <a:rPr lang="en-NZ" dirty="0" smtClean="0"/>
-                <a:t>path</a:t>
+                <a:t>Follow path</a:t>
               </a:r>
               <a:endParaRPr lang="en-NZ" dirty="0"/>
             </a:p>
@@ -6543,11 +6535,7 @@
               <a:pPr algn="ctr"/>
               <a:r>
                 <a:rPr lang="en-NZ" dirty="0" smtClean="0"/>
-                <a:t>Follow </a:t>
-              </a:r>
-              <a:r>
-                <a:rPr lang="en-NZ" dirty="0" smtClean="0"/>
-                <a:t>path</a:t>
+                <a:t>Follow path</a:t>
               </a:r>
               <a:endParaRPr lang="en-NZ" dirty="0"/>
             </a:p>
@@ -6685,7 +6673,15 @@
                     <a:sysClr val="windowText" lastClr="000000"/>
                   </a:solidFill>
                 </a:rPr>
-                <a:t>Lower Magnets</a:t>
+                <a:t>Retract </a:t>
+              </a:r>
+              <a:r>
+                <a:rPr lang="en-NZ" sz="2000" dirty="0" smtClean="0">
+                  <a:solidFill>
+                    <a:sysClr val="windowText" lastClr="000000"/>
+                  </a:solidFill>
+                </a:rPr>
+                <a:t>Magnets</a:t>
               </a:r>
               <a:endParaRPr lang="en-NZ" sz="2000" dirty="0">
                 <a:solidFill>
@@ -6820,15 +6816,7 @@
             <a:p>
               <a:r>
                 <a:rPr lang="en-NZ" dirty="0" smtClean="0"/>
-                <a:t>Collected </a:t>
-              </a:r>
-              <a:r>
-                <a:rPr lang="en-NZ" dirty="0" smtClean="0"/>
-                <a:t>&amp; </a:t>
-              </a:r>
-              <a:r>
-                <a:rPr lang="en-NZ" dirty="0" smtClean="0"/>
-                <a:t>&gt;3</a:t>
+                <a:t>Collected &amp; &gt;3</a:t>
               </a:r>
               <a:endParaRPr lang="en-NZ" dirty="0"/>
             </a:p>
@@ -6969,11 +6957,7 @@
             <a:p>
               <a:r>
                 <a:rPr lang="en-NZ" dirty="0" smtClean="0"/>
-                <a:t>Not a</a:t>
-              </a:r>
-              <a:r>
-                <a:rPr lang="en-NZ" dirty="0" smtClean="0"/>
-                <a:t>t</a:t>
+                <a:t>Not at</a:t>
               </a:r>
             </a:p>
             <a:p>
@@ -8264,11 +8248,7 @@
             <a:p>
               <a:r>
                 <a:rPr lang="en-NZ" dirty="0" smtClean="0"/>
-                <a:t>&amp; =</a:t>
-              </a:r>
-              <a:r>
-                <a:rPr lang="en-NZ" dirty="0" smtClean="0"/>
-                <a:t>3</a:t>
+                <a:t>&amp; =3</a:t>
               </a:r>
               <a:endParaRPr lang="en-NZ" dirty="0"/>
             </a:p>
@@ -8752,7 +8732,6 @@
                 <a:rPr lang="en-NZ" dirty="0" smtClean="0"/>
                 <a:t>Yes</a:t>
               </a:r>
-              <a:endParaRPr lang="en-NZ" dirty="0" smtClean="0"/>
             </a:p>
           </p:txBody>
         </p:sp>
@@ -9155,7 +9134,7 @@
             <a:prstGeom prst="bentConnector4">
               <a:avLst>
                 <a:gd name="adj1" fmla="val 33138"/>
-                <a:gd name="adj2" fmla="val 106249"/>
+                <a:gd name="adj2" fmla="val 111407"/>
               </a:avLst>
             </a:prstGeom>
             <a:ln w="19050">
@@ -9494,7 +9473,23 @@
                     <a:sysClr val="windowText" lastClr="000000"/>
                   </a:solidFill>
                 </a:rPr>
-                <a:t>Lower Magnets</a:t>
+                <a:t>Retract</a:t>
+              </a:r>
+              <a:r>
+                <a:rPr lang="en-NZ" sz="2000" dirty="0" smtClean="0">
+                  <a:solidFill>
+                    <a:sysClr val="windowText" lastClr="000000"/>
+                  </a:solidFill>
+                </a:rPr>
+                <a:t> </a:t>
+              </a:r>
+              <a:r>
+                <a:rPr lang="en-NZ" sz="2000" dirty="0" smtClean="0">
+                  <a:solidFill>
+                    <a:sysClr val="windowText" lastClr="000000"/>
+                  </a:solidFill>
+                </a:rPr>
+                <a:t>Magnets</a:t>
               </a:r>
               <a:endParaRPr lang="en-NZ" sz="2000" dirty="0">
                 <a:solidFill>
@@ -9629,15 +9624,7 @@
             <a:p>
               <a:r>
                 <a:rPr lang="en-NZ" dirty="0" smtClean="0"/>
-                <a:t>Collected </a:t>
-              </a:r>
-              <a:r>
-                <a:rPr lang="en-NZ" dirty="0" smtClean="0"/>
-                <a:t>&amp; </a:t>
-              </a:r>
-              <a:r>
-                <a:rPr lang="en-NZ" dirty="0" smtClean="0"/>
-                <a:t>&gt;3</a:t>
+                <a:t>Collected &amp; &gt;3</a:t>
               </a:r>
               <a:endParaRPr lang="en-NZ" dirty="0"/>
             </a:p>
@@ -9778,11 +9765,7 @@
             <a:p>
               <a:r>
                 <a:rPr lang="en-NZ" dirty="0" smtClean="0"/>
-                <a:t>Not a</a:t>
-              </a:r>
-              <a:r>
-                <a:rPr lang="en-NZ" dirty="0" smtClean="0"/>
-                <a:t>t</a:t>
+                <a:t>Not at</a:t>
               </a:r>
             </a:p>
             <a:p>
